--- a/Презентация_ВКР_Костебелова.pptx
+++ b/Презентация_ВКР_Костебелова.pptx
@@ -9457,11 +9457,6 @@
               </a:rPr>
               <a:t>обучения</a:t>
             </a:r>
-            <a:endParaRPr lang="ru-RU" sz="2000" dirty="0" smtClean="0">
-              <a:solidFill>
-                <a:srgbClr val="000000"/>
-              </a:solidFill>
-            </a:endParaRPr>
           </a:p>
           <a:p>
             <a:pPr lvl="0" indent="-381000">
@@ -12617,7 +12612,7 @@
       </p:sp>
       <p:pic>
         <p:nvPicPr>
-          <p:cNvPr id="5" name="Рисунок 4"/>
+          <p:cNvPr id="2" name="Рисунок 1"/>
           <p:cNvPicPr>
             <a:picLocks noChangeAspect="1"/>
           </p:cNvPicPr>
@@ -12637,8 +12632,8 @@
         </p:blipFill>
         <p:spPr>
           <a:xfrm>
-            <a:off x="780867" y="840267"/>
-            <a:ext cx="7609144" cy="5902055"/>
+            <a:off x="1075236" y="797078"/>
+            <a:ext cx="6910524" cy="5945244"/>
           </a:xfrm>
           <a:prstGeom prst="rect">
             <a:avLst/>
@@ -14055,10 +14050,6 @@
               </a:rPr>
               <a:t>.</a:t>
             </a:r>
-            <a:endParaRPr lang="ru-RU" sz="1700" dirty="0" smtClean="0">
-              <a:latin typeface="+mn-lt"/>
-              <a:ea typeface="Calibri" panose="020F0502020204030204" pitchFamily="34" charset="0"/>
-            </a:endParaRPr>
           </a:p>
         </p:txBody>
       </p:sp>

--- a/Презентация_ВКР_Костебелова.pptx
+++ b/Презентация_ВКР_Костебелова.pptx
@@ -5,7 +5,7 @@
     <p:sldMasterId id="2147483659" r:id="rId1"/>
   </p:sldMasterIdLst>
   <p:notesMasterIdLst>
-    <p:notesMasterId r:id="rId14"/>
+    <p:notesMasterId r:id="rId16"/>
   </p:notesMasterIdLst>
   <p:sldIdLst>
     <p:sldId id="256" r:id="rId2"/>
@@ -20,6 +20,8 @@
     <p:sldId id="270" r:id="rId11"/>
     <p:sldId id="262" r:id="rId12"/>
     <p:sldId id="263" r:id="rId13"/>
+    <p:sldId id="276" r:id="rId14"/>
+    <p:sldId id="275" r:id="rId15"/>
   </p:sldIdLst>
   <p:sldSz cx="9144000" cy="6858000" type="screen4x3"/>
   <p:notesSz cx="6858000" cy="9144000"/>
@@ -7224,7 +7226,7 @@
           <p:nvPr>
             <p:extLst>
               <p:ext uri="{D42A27DB-BD31-4B8C-83A1-F6EECF244321}">
-                <p14:modId xmlns:p14="http://schemas.microsoft.com/office/powerpoint/2010/main" val="271671965"/>
+                <p14:modId xmlns:p14="http://schemas.microsoft.com/office/powerpoint/2010/main" val="1134460191"/>
               </p:ext>
             </p:extLst>
           </p:nvPr>
@@ -7240,31 +7242,31 @@
                 <a:tableStyleId>{8A1E8DC7-7CBB-4F03-A30B-F0F456F5E953}</a:tableStyleId>
               </a:tblPr>
               <a:tblGrid>
-                <a:gridCol w="2585795">
+                <a:gridCol w="2529548">
                   <a:extLst>
                     <a:ext uri="{9D8B030D-6E8A-4147-A177-3AD203B41FA5}">
-                      <a16:colId xmlns:a16="http://schemas.microsoft.com/office/drawing/2014/main" val="20000"/>
+                      <a16:colId xmlns:a16="http://schemas.microsoft.com/office/drawing/2014/main" xmlns="" val="20000"/>
                     </a:ext>
                   </a:extLst>
                 </a:gridCol>
-                <a:gridCol w="1312920">
+                <a:gridCol w="1351006">
                   <a:extLst>
                     <a:ext uri="{9D8B030D-6E8A-4147-A177-3AD203B41FA5}">
-                      <a16:colId xmlns:a16="http://schemas.microsoft.com/office/drawing/2014/main" val="20001"/>
+                      <a16:colId xmlns:a16="http://schemas.microsoft.com/office/drawing/2014/main" xmlns="" val="20001"/>
                     </a:ext>
                   </a:extLst>
                 </a:gridCol>
-                <a:gridCol w="1678494">
+                <a:gridCol w="1696655">
                   <a:extLst>
                     <a:ext uri="{9D8B030D-6E8A-4147-A177-3AD203B41FA5}">
-                      <a16:colId xmlns:a16="http://schemas.microsoft.com/office/drawing/2014/main" val="20002"/>
+                      <a16:colId xmlns:a16="http://schemas.microsoft.com/office/drawing/2014/main" xmlns="" val="20002"/>
                     </a:ext>
                   </a:extLst>
                 </a:gridCol>
                 <a:gridCol w="2695450">
                   <a:extLst>
                     <a:ext uri="{9D8B030D-6E8A-4147-A177-3AD203B41FA5}">
-                      <a16:colId xmlns:a16="http://schemas.microsoft.com/office/drawing/2014/main" val="20003"/>
+                      <a16:colId xmlns:a16="http://schemas.microsoft.com/office/drawing/2014/main" xmlns="" val="20003"/>
                     </a:ext>
                   </a:extLst>
                 </a:gridCol>
@@ -7331,12 +7333,12 @@
                         </a:tabLst>
                       </a:pPr>
                       <a:r>
-                        <a:rPr lang="ru-RU" sz="1800">
+                        <a:rPr lang="ru-RU" sz="1800" dirty="0" smtClean="0">
                           <a:effectLst/>
                         </a:rPr>
-                        <a:t>mAP at 0.50 IoU</a:t>
+                        <a:t>mAP50</a:t>
                       </a:r>
-                      <a:endParaRPr lang="ru-RU" sz="1800">
+                      <a:endParaRPr lang="ru-RU" sz="1800" dirty="0">
                         <a:effectLst/>
                         <a:latin typeface="Times New Roman" panose="02020603050405020304" pitchFamily="18" charset="0"/>
                         <a:ea typeface="Noto Serif CJK SC"/>
@@ -7363,12 +7365,12 @@
                         </a:tabLst>
                       </a:pPr>
                       <a:r>
-                        <a:rPr lang="ru-RU" sz="1800">
+                        <a:rPr lang="ru-RU" sz="1800" dirty="0" smtClean="0">
                           <a:effectLst/>
                         </a:rPr>
-                        <a:t>mAP at 0.50:0.95 IoU</a:t>
+                        <a:t>mAP50:95</a:t>
                       </a:r>
-                      <a:endParaRPr lang="ru-RU" sz="1800">
+                      <a:endParaRPr lang="ru-RU" sz="1800" dirty="0">
                         <a:effectLst/>
                         <a:latin typeface="Times New Roman" panose="02020603050405020304" pitchFamily="18" charset="0"/>
                         <a:ea typeface="Noto Serif CJK SC"/>
@@ -7412,7 +7414,7 @@
                 </a:tc>
                 <a:extLst>
                   <a:ext uri="{0D108BD9-81ED-4DB2-BD59-A6C34878D82A}">
-                    <a16:rowId xmlns:a16="http://schemas.microsoft.com/office/drawing/2014/main" val="10000"/>
+                    <a16:rowId xmlns:a16="http://schemas.microsoft.com/office/drawing/2014/main" xmlns="" val="10000"/>
                   </a:ext>
                 </a:extLst>
               </a:tr>
@@ -7466,12 +7468,12 @@
                         </a:tabLst>
                       </a:pPr>
                       <a:r>
-                        <a:rPr lang="ru-RU" sz="1800">
+                        <a:rPr lang="ru-RU" sz="1800" dirty="0" smtClean="0">
                           <a:effectLst/>
                         </a:rPr>
-                        <a:t>0.738</a:t>
+                        <a:t>73.8%</a:t>
                       </a:r>
-                      <a:endParaRPr lang="ru-RU" sz="1800">
+                      <a:endParaRPr lang="ru-RU" sz="1800" dirty="0">
                         <a:effectLst/>
                         <a:latin typeface="Times New Roman" panose="02020603050405020304" pitchFamily="18" charset="0"/>
                         <a:ea typeface="Noto Serif CJK SC"/>
@@ -7498,18 +7500,12 @@
                         </a:tabLst>
                       </a:pPr>
                       <a:r>
-                        <a:rPr lang="en-US" sz="1800">
+                        <a:rPr lang="ru-RU" sz="1800" dirty="0" smtClean="0">
                           <a:effectLst/>
                         </a:rPr>
-                        <a:t>0.</a:t>
+                        <a:t>56%</a:t>
                       </a:r>
-                      <a:r>
-                        <a:rPr lang="ru-RU" sz="1800">
-                          <a:effectLst/>
-                        </a:rPr>
-                        <a:t>56</a:t>
-                      </a:r>
-                      <a:endParaRPr lang="ru-RU" sz="1800">
+                      <a:endParaRPr lang="ru-RU" sz="1800" dirty="0">
                         <a:effectLst/>
                         <a:latin typeface="Times New Roman" panose="02020603050405020304" pitchFamily="18" charset="0"/>
                         <a:ea typeface="Noto Serif CJK SC"/>
@@ -7559,7 +7555,7 @@
                 </a:tc>
                 <a:extLst>
                   <a:ext uri="{0D108BD9-81ED-4DB2-BD59-A6C34878D82A}">
-                    <a16:rowId xmlns:a16="http://schemas.microsoft.com/office/drawing/2014/main" val="10001"/>
+                    <a16:rowId xmlns:a16="http://schemas.microsoft.com/office/drawing/2014/main" xmlns="" val="10001"/>
                   </a:ext>
                 </a:extLst>
               </a:tr>
@@ -7617,10 +7613,10 @@
                         </a:tabLst>
                       </a:pPr>
                       <a:r>
-                        <a:rPr lang="ru-RU" sz="1800" dirty="0">
+                        <a:rPr lang="ru-RU" sz="1800" dirty="0" smtClean="0">
                           <a:effectLst/>
                         </a:rPr>
-                        <a:t>0.841</a:t>
+                        <a:t>84.1%</a:t>
                       </a:r>
                       <a:endParaRPr lang="ru-RU" sz="1800" dirty="0">
                         <a:effectLst/>
@@ -7653,10 +7649,10 @@
                         </a:tabLst>
                       </a:pPr>
                       <a:r>
-                        <a:rPr lang="ru-RU" sz="1800" dirty="0">
+                        <a:rPr lang="ru-RU" sz="1800" dirty="0" smtClean="0">
                           <a:effectLst/>
                         </a:rPr>
-                        <a:t>0.693</a:t>
+                        <a:t>69.3%</a:t>
                       </a:r>
                       <a:endParaRPr lang="ru-RU" sz="1800" dirty="0">
                         <a:effectLst/>
@@ -7710,7 +7706,7 @@
                 </a:tc>
                 <a:extLst>
                   <a:ext uri="{0D108BD9-81ED-4DB2-BD59-A6C34878D82A}">
-                    <a16:rowId xmlns:a16="http://schemas.microsoft.com/office/drawing/2014/main" val="10002"/>
+                    <a16:rowId xmlns:a16="http://schemas.microsoft.com/office/drawing/2014/main" xmlns="" val="10002"/>
                   </a:ext>
                 </a:extLst>
               </a:tr>
@@ -7764,12 +7760,12 @@
                         </a:tabLst>
                       </a:pPr>
                       <a:r>
-                        <a:rPr lang="ru-RU" sz="1800">
+                        <a:rPr lang="ru-RU" sz="1800" dirty="0" smtClean="0">
                           <a:effectLst/>
                         </a:rPr>
-                        <a:t>0.838</a:t>
+                        <a:t>83.8%</a:t>
                       </a:r>
-                      <a:endParaRPr lang="ru-RU" sz="1800">
+                      <a:endParaRPr lang="ru-RU" sz="1800" dirty="0">
                         <a:effectLst/>
                         <a:latin typeface="Times New Roman" panose="02020603050405020304" pitchFamily="18" charset="0"/>
                         <a:ea typeface="Noto Serif CJK SC"/>
@@ -7796,12 +7792,12 @@
                         </a:tabLst>
                       </a:pPr>
                       <a:r>
-                        <a:rPr lang="ru-RU" sz="1800">
+                        <a:rPr lang="ru-RU" sz="1800" dirty="0" smtClean="0">
                           <a:effectLst/>
                         </a:rPr>
-                        <a:t>0.698</a:t>
+                        <a:t>69.8%</a:t>
                       </a:r>
-                      <a:endParaRPr lang="ru-RU" sz="1800">
+                      <a:endParaRPr lang="ru-RU" sz="1800" dirty="0">
                         <a:effectLst/>
                         <a:latin typeface="Times New Roman" panose="02020603050405020304" pitchFamily="18" charset="0"/>
                         <a:ea typeface="Noto Serif CJK SC"/>
@@ -7845,7 +7841,7 @@
                 </a:tc>
                 <a:extLst>
                   <a:ext uri="{0D108BD9-81ED-4DB2-BD59-A6C34878D82A}">
-                    <a16:rowId xmlns:a16="http://schemas.microsoft.com/office/drawing/2014/main" val="10003"/>
+                    <a16:rowId xmlns:a16="http://schemas.microsoft.com/office/drawing/2014/main" xmlns="" val="10003"/>
                   </a:ext>
                 </a:extLst>
               </a:tr>
@@ -7899,12 +7895,12 @@
                         </a:tabLst>
                       </a:pPr>
                       <a:r>
-                        <a:rPr lang="ru-RU" sz="1800">
+                        <a:rPr lang="ru-RU" sz="1800" dirty="0" smtClean="0">
                           <a:effectLst/>
                         </a:rPr>
-                        <a:t>0.73</a:t>
+                        <a:t>73%</a:t>
                       </a:r>
-                      <a:endParaRPr lang="ru-RU" sz="1800">
+                      <a:endParaRPr lang="ru-RU" sz="1800" dirty="0">
                         <a:effectLst/>
                         <a:latin typeface="Times New Roman" panose="02020603050405020304" pitchFamily="18" charset="0"/>
                         <a:ea typeface="Noto Serif CJK SC"/>
@@ -7931,12 +7927,12 @@
                         </a:tabLst>
                       </a:pPr>
                       <a:r>
-                        <a:rPr lang="ru-RU" sz="1800">
+                        <a:rPr lang="ru-RU" sz="1800" dirty="0" smtClean="0">
                           <a:effectLst/>
                         </a:rPr>
-                        <a:t>0.673</a:t>
+                        <a:t>67.3%</a:t>
                       </a:r>
-                      <a:endParaRPr lang="ru-RU" sz="1800">
+                      <a:endParaRPr lang="ru-RU" sz="1800" dirty="0">
                         <a:effectLst/>
                         <a:latin typeface="Times New Roman" panose="02020603050405020304" pitchFamily="18" charset="0"/>
                         <a:ea typeface="Noto Serif CJK SC"/>
@@ -7980,7 +7976,7 @@
                 </a:tc>
                 <a:extLst>
                   <a:ext uri="{0D108BD9-81ED-4DB2-BD59-A6C34878D82A}">
-                    <a16:rowId xmlns:a16="http://schemas.microsoft.com/office/drawing/2014/main" val="10004"/>
+                    <a16:rowId xmlns:a16="http://schemas.microsoft.com/office/drawing/2014/main" xmlns="" val="10004"/>
                   </a:ext>
                 </a:extLst>
               </a:tr>
@@ -8038,10 +8034,10 @@
                         </a:tabLst>
                       </a:pPr>
                       <a:r>
-                        <a:rPr lang="ru-RU" sz="1800" dirty="0">
+                        <a:rPr lang="ru-RU" sz="1800" dirty="0" smtClean="0">
                           <a:effectLst/>
                         </a:rPr>
-                        <a:t>0.539</a:t>
+                        <a:t>53.9%</a:t>
                       </a:r>
                       <a:endParaRPr lang="ru-RU" sz="1800" dirty="0">
                         <a:effectLst/>
@@ -8074,10 +8070,10 @@
                         </a:tabLst>
                       </a:pPr>
                       <a:r>
-                        <a:rPr lang="ru-RU" sz="1800" dirty="0">
+                        <a:rPr lang="ru-RU" sz="1800" dirty="0" smtClean="0">
                           <a:effectLst/>
                         </a:rPr>
-                        <a:t>0.226</a:t>
+                        <a:t>22.6%</a:t>
                       </a:r>
                       <a:endParaRPr lang="ru-RU" sz="1800" dirty="0">
                         <a:effectLst/>
@@ -8131,7 +8127,7 @@
                 </a:tc>
                 <a:extLst>
                   <a:ext uri="{0D108BD9-81ED-4DB2-BD59-A6C34878D82A}">
-                    <a16:rowId xmlns:a16="http://schemas.microsoft.com/office/drawing/2014/main" val="10005"/>
+                    <a16:rowId xmlns:a16="http://schemas.microsoft.com/office/drawing/2014/main" xmlns="" val="10005"/>
                   </a:ext>
                 </a:extLst>
               </a:tr>
@@ -9139,6 +9135,451 @@
 </p:sld>
 </file>
 
+<file path=ppt/slides/slide13.xml><?xml version="1.0" encoding="utf-8"?>
+<p:sld xmlns:a="http://schemas.openxmlformats.org/drawingml/2006/main" xmlns:r="http://schemas.openxmlformats.org/officeDocument/2006/relationships" xmlns:p="http://schemas.openxmlformats.org/presentationml/2006/main">
+  <p:cSld>
+    <p:spTree>
+      <p:nvGrpSpPr>
+        <p:cNvPr id="1" name=""/>
+        <p:cNvGrpSpPr/>
+        <p:nvPr/>
+      </p:nvGrpSpPr>
+      <p:grpSpPr>
+        <a:xfrm>
+          <a:off x="0" y="0"/>
+          <a:ext cx="0" cy="0"/>
+          <a:chOff x="0" y="0"/>
+          <a:chExt cx="0" cy="0"/>
+        </a:xfrm>
+      </p:grpSpPr>
+      <p:sp>
+        <p:nvSpPr>
+          <p:cNvPr id="2" name="Заголовок 1"/>
+          <p:cNvSpPr>
+            <a:spLocks noGrp="1"/>
+          </p:cNvSpPr>
+          <p:nvPr>
+            <p:ph type="title"/>
+          </p:nvPr>
+        </p:nvSpPr>
+        <p:spPr>
+          <a:xfrm>
+            <a:off x="2758338" y="2842297"/>
+            <a:ext cx="3469468" cy="763500"/>
+          </a:xfrm>
+        </p:spPr>
+        <p:txBody>
+          <a:bodyPr/>
+          <a:lstStyle/>
+          <a:p>
+            <a:r>
+              <a:rPr lang="ru-RU" dirty="0"/>
+              <a:t>Запасные слайды</a:t>
+            </a:r>
+            <a:endParaRPr lang="ru-RU" dirty="0"/>
+          </a:p>
+        </p:txBody>
+      </p:sp>
+      <p:sp>
+        <p:nvSpPr>
+          <p:cNvPr id="4" name="Номер слайда 3"/>
+          <p:cNvSpPr>
+            <a:spLocks noGrp="1"/>
+          </p:cNvSpPr>
+          <p:nvPr>
+            <p:ph type="sldNum" idx="12"/>
+          </p:nvPr>
+        </p:nvSpPr>
+        <p:spPr/>
+        <p:txBody>
+          <a:bodyPr/>
+          <a:lstStyle/>
+          <a:p>
+            <a:pPr marL="0" lvl="0" indent="0" algn="r" rtl="0">
+              <a:spcBef>
+                <a:spcPts val="0"/>
+              </a:spcBef>
+              <a:spcAft>
+                <a:spcPts val="0"/>
+              </a:spcAft>
+              <a:buNone/>
+            </a:pPr>
+            <a:fld id="{00000000-1234-1234-1234-123412341234}" type="slidenum">
+              <a:rPr lang="en" smtClean="0"/>
+              <a:t>13</a:t>
+            </a:fld>
+            <a:endParaRPr lang="en"/>
+          </a:p>
+        </p:txBody>
+      </p:sp>
+    </p:spTree>
+    <p:extLst>
+      <p:ext uri="{BB962C8B-B14F-4D97-AF65-F5344CB8AC3E}">
+        <p14:creationId xmlns:p14="http://schemas.microsoft.com/office/powerpoint/2010/main" val="2906673210"/>
+      </p:ext>
+    </p:extLst>
+  </p:cSld>
+  <p:clrMapOvr>
+    <a:masterClrMapping/>
+  </p:clrMapOvr>
+</p:sld>
+</file>
+
+<file path=ppt/slides/slide14.xml><?xml version="1.0" encoding="utf-8"?>
+<p:sld xmlns:a="http://schemas.openxmlformats.org/drawingml/2006/main" xmlns:r="http://schemas.openxmlformats.org/officeDocument/2006/relationships" xmlns:p="http://schemas.openxmlformats.org/presentationml/2006/main">
+  <p:cSld>
+    <p:spTree>
+      <p:nvGrpSpPr>
+        <p:cNvPr id="1" name=""/>
+        <p:cNvGrpSpPr/>
+        <p:nvPr/>
+      </p:nvGrpSpPr>
+      <p:grpSpPr>
+        <a:xfrm>
+          <a:off x="0" y="0"/>
+          <a:ext cx="0" cy="0"/>
+          <a:chOff x="0" y="0"/>
+          <a:chExt cx="0" cy="0"/>
+        </a:xfrm>
+      </p:grpSpPr>
+      <p:sp>
+        <p:nvSpPr>
+          <p:cNvPr id="2" name="Заголовок 1"/>
+          <p:cNvSpPr>
+            <a:spLocks noGrp="1"/>
+          </p:cNvSpPr>
+          <p:nvPr>
+            <p:ph type="title"/>
+          </p:nvPr>
+        </p:nvSpPr>
+        <p:spPr>
+          <a:xfrm>
+            <a:off x="235121" y="36777"/>
+            <a:ext cx="8520600" cy="763500"/>
+          </a:xfrm>
+        </p:spPr>
+        <p:txBody>
+          <a:bodyPr/>
+          <a:lstStyle/>
+          <a:p>
+            <a:r>
+              <a:rPr lang="ru-RU" sz="2400" dirty="0" smtClean="0"/>
+              <a:t>Результаты обучения моделей </a:t>
+            </a:r>
+            <a:r>
+              <a:rPr lang="en-US" sz="2400" dirty="0" smtClean="0"/>
+              <a:t>YOLO </a:t>
+            </a:r>
+            <a:r>
+              <a:rPr lang="ru-RU" sz="2400" dirty="0" smtClean="0"/>
+              <a:t>из научных статей</a:t>
+            </a:r>
+            <a:endParaRPr lang="ru-RU" sz="2400" dirty="0"/>
+          </a:p>
+        </p:txBody>
+      </p:sp>
+      <p:sp>
+        <p:nvSpPr>
+          <p:cNvPr id="4" name="Номер слайда 3"/>
+          <p:cNvSpPr>
+            <a:spLocks noGrp="1"/>
+          </p:cNvSpPr>
+          <p:nvPr>
+            <p:ph type="sldNum" idx="12"/>
+          </p:nvPr>
+        </p:nvSpPr>
+        <p:spPr/>
+        <p:txBody>
+          <a:bodyPr/>
+          <a:lstStyle/>
+          <a:p>
+            <a:pPr marL="0" lvl="0" indent="0" algn="r" rtl="0">
+              <a:spcBef>
+                <a:spcPts val="0"/>
+              </a:spcBef>
+              <a:spcAft>
+                <a:spcPts val="0"/>
+              </a:spcAft>
+              <a:buNone/>
+            </a:pPr>
+            <a:fld id="{00000000-1234-1234-1234-123412341234}" type="slidenum">
+              <a:rPr lang="en" smtClean="0"/>
+              <a:t>14</a:t>
+            </a:fld>
+            <a:endParaRPr lang="en"/>
+          </a:p>
+        </p:txBody>
+      </p:sp>
+      <p:pic>
+        <p:nvPicPr>
+          <p:cNvPr id="5" name="Рисунок 4"/>
+          <p:cNvPicPr>
+            <a:picLocks noChangeAspect="1"/>
+          </p:cNvPicPr>
+          <p:nvPr/>
+        </p:nvPicPr>
+        <p:blipFill>
+          <a:blip r:embed="rId2">
+            <a:extLst>
+              <a:ext uri="{28A0092B-C50C-407E-A947-70E740481C1C}">
+                <a14:useLocalDpi xmlns:a14="http://schemas.microsoft.com/office/drawing/2010/main" val="0"/>
+              </a:ext>
+            </a:extLst>
+          </a:blip>
+          <a:stretch>
+            <a:fillRect/>
+          </a:stretch>
+        </p:blipFill>
+        <p:spPr>
+          <a:xfrm>
+            <a:off x="235121" y="563694"/>
+            <a:ext cx="4040317" cy="1724010"/>
+          </a:xfrm>
+          <a:prstGeom prst="rect">
+            <a:avLst/>
+          </a:prstGeom>
+        </p:spPr>
+      </p:pic>
+      <p:sp>
+        <p:nvSpPr>
+          <p:cNvPr id="7" name="Google Shape;112;p20"/>
+          <p:cNvSpPr txBox="1">
+            <a:spLocks noGrp="1"/>
+          </p:cNvSpPr>
+          <p:nvPr>
+            <p:ph type="body" idx="1"/>
+          </p:nvPr>
+        </p:nvSpPr>
+        <p:spPr>
+          <a:xfrm>
+            <a:off x="4275438" y="800277"/>
+            <a:ext cx="4672191" cy="1476615"/>
+          </a:xfrm>
+          <a:prstGeom prst="rect">
+            <a:avLst/>
+          </a:prstGeom>
+        </p:spPr>
+        <p:txBody>
+          <a:bodyPr spcFirstLastPara="1" wrap="square" lIns="91425" tIns="91425" rIns="91425" bIns="91425" anchor="t" anchorCtr="0">
+            <a:noAutofit/>
+          </a:bodyPr>
+          <a:lstStyle/>
+          <a:p>
+            <a:pPr marL="76200" lvl="0" indent="0">
+              <a:buClr>
+                <a:srgbClr val="000000"/>
+              </a:buClr>
+              <a:buSzPts val="2400"/>
+              <a:buNone/>
+            </a:pPr>
+            <a:r>
+              <a:rPr lang="en-US" sz="1600" dirty="0" smtClean="0">
+                <a:solidFill>
+                  <a:srgbClr val="000000"/>
+                </a:solidFill>
+              </a:rPr>
+              <a:t>“Real-Time Car </a:t>
+            </a:r>
+            <a:r>
+              <a:rPr lang="en-US" sz="1600" dirty="0" err="1" smtClean="0">
+                <a:solidFill>
+                  <a:srgbClr val="000000"/>
+                </a:solidFill>
+              </a:rPr>
+              <a:t>Parcing</a:t>
+            </a:r>
+            <a:r>
+              <a:rPr lang="en-US" sz="1600" dirty="0" smtClean="0">
+                <a:solidFill>
+                  <a:srgbClr val="000000"/>
+                </a:solidFill>
+              </a:rPr>
+              <a:t> Detection with Deep Learning in Different Lighting Scenarios”</a:t>
+            </a:r>
+          </a:p>
+          <a:p>
+            <a:pPr marL="76200" lvl="0" indent="0">
+              <a:buClr>
+                <a:srgbClr val="000000"/>
+              </a:buClr>
+              <a:buSzPts val="2400"/>
+              <a:buNone/>
+            </a:pPr>
+            <a:r>
+              <a:rPr lang="ru-RU" sz="1600" dirty="0" smtClean="0">
+                <a:solidFill>
+                  <a:srgbClr val="000000"/>
+                </a:solidFill>
+              </a:rPr>
+              <a:t>Авторы: </a:t>
+            </a:r>
+            <a:r>
+              <a:rPr lang="en-US" sz="1600" dirty="0" err="1" smtClean="0">
+                <a:solidFill>
+                  <a:srgbClr val="000000"/>
+                </a:solidFill>
+              </a:rPr>
+              <a:t>Fatema</a:t>
+            </a:r>
+            <a:r>
+              <a:rPr lang="en-US" sz="1600" dirty="0" smtClean="0">
+                <a:solidFill>
+                  <a:srgbClr val="000000"/>
+                </a:solidFill>
+              </a:rPr>
+              <a:t> H. Yusuf and </a:t>
+            </a:r>
+            <a:r>
+              <a:rPr lang="en-US" sz="1600" dirty="0" err="1" smtClean="0">
+                <a:solidFill>
+                  <a:srgbClr val="000000"/>
+                </a:solidFill>
+              </a:rPr>
+              <a:t>Mohab</a:t>
+            </a:r>
+            <a:r>
+              <a:rPr lang="en-US" sz="1600" dirty="0" smtClean="0">
+                <a:solidFill>
+                  <a:srgbClr val="000000"/>
+                </a:solidFill>
+              </a:rPr>
+              <a:t> A. </a:t>
+            </a:r>
+            <a:r>
+              <a:rPr lang="en-US" sz="1600" dirty="0" err="1" smtClean="0">
+                <a:solidFill>
+                  <a:srgbClr val="000000"/>
+                </a:solidFill>
+              </a:rPr>
+              <a:t>Mangoud</a:t>
+            </a:r>
+            <a:endParaRPr lang="en" sz="1600" dirty="0" smtClean="0">
+              <a:solidFill>
+                <a:srgbClr val="000000"/>
+              </a:solidFill>
+            </a:endParaRPr>
+          </a:p>
+        </p:txBody>
+      </p:sp>
+      <p:sp>
+        <p:nvSpPr>
+          <p:cNvPr id="8" name="Прямоугольник 7"/>
+          <p:cNvSpPr/>
+          <p:nvPr/>
+        </p:nvSpPr>
+        <p:spPr>
+          <a:xfrm>
+            <a:off x="6013621" y="3988222"/>
+            <a:ext cx="3216718" cy="830997"/>
+          </a:xfrm>
+          <a:prstGeom prst="rect">
+            <a:avLst/>
+          </a:prstGeom>
+        </p:spPr>
+        <p:txBody>
+          <a:bodyPr wrap="square">
+            <a:spAutoFit/>
+          </a:bodyPr>
+          <a:lstStyle/>
+          <a:p>
+            <a:r>
+              <a:rPr lang="en-US" sz="1600" dirty="0"/>
+              <a:t>“Train YOLOv8 on Custom Dataset – A Complete Tutorial”</a:t>
+            </a:r>
+          </a:p>
+          <a:p>
+            <a:r>
+              <a:rPr lang="ru-RU" sz="1600" dirty="0" smtClean="0"/>
+              <a:t>Автор: </a:t>
+            </a:r>
+            <a:r>
+              <a:rPr lang="en-US" sz="1600" dirty="0" err="1" smtClean="0"/>
+              <a:t>Sovit</a:t>
+            </a:r>
+            <a:r>
+              <a:rPr lang="en-US" sz="1600" dirty="0" smtClean="0"/>
+              <a:t> </a:t>
+            </a:r>
+            <a:r>
+              <a:rPr lang="en-US" sz="1600" dirty="0" err="1"/>
+              <a:t>Rath</a:t>
+            </a:r>
+            <a:endParaRPr lang="ru-RU" sz="1600" dirty="0"/>
+          </a:p>
+        </p:txBody>
+      </p:sp>
+      <p:pic>
+        <p:nvPicPr>
+          <p:cNvPr id="11" name="Рисунок 10"/>
+          <p:cNvPicPr>
+            <a:picLocks noChangeAspect="1"/>
+          </p:cNvPicPr>
+          <p:nvPr/>
+        </p:nvPicPr>
+        <p:blipFill rotWithShape="1">
+          <a:blip r:embed="rId3"/>
+          <a:srcRect l="2635" t="6334" r="4178" b="11678"/>
+          <a:stretch/>
+        </p:blipFill>
+        <p:spPr>
+          <a:xfrm>
+            <a:off x="-1" y="2686441"/>
+            <a:ext cx="6013621" cy="3378460"/>
+          </a:xfrm>
+          <a:prstGeom prst="rect">
+            <a:avLst/>
+          </a:prstGeom>
+        </p:spPr>
+      </p:pic>
+      <p:sp>
+        <p:nvSpPr>
+          <p:cNvPr id="9" name="Прямоугольник 8"/>
+          <p:cNvSpPr/>
+          <p:nvPr/>
+        </p:nvSpPr>
+        <p:spPr>
+          <a:xfrm>
+            <a:off x="2284780" y="2527976"/>
+            <a:ext cx="3216718" cy="338554"/>
+          </a:xfrm>
+          <a:prstGeom prst="rect">
+            <a:avLst/>
+          </a:prstGeom>
+        </p:spPr>
+        <p:txBody>
+          <a:bodyPr wrap="square">
+            <a:spAutoFit/>
+          </a:bodyPr>
+          <a:lstStyle/>
+          <a:p>
+            <a:r>
+              <a:rPr lang="en-US" sz="1600" dirty="0" smtClean="0"/>
+              <a:t>mAP50</a:t>
+            </a:r>
+            <a:endParaRPr lang="ru-RU" sz="1600" dirty="0"/>
+          </a:p>
+        </p:txBody>
+      </p:sp>
+    </p:spTree>
+    <p:extLst>
+      <p:ext uri="{BB962C8B-B14F-4D97-AF65-F5344CB8AC3E}">
+        <p14:creationId xmlns:p14="http://schemas.microsoft.com/office/powerpoint/2010/main" val="3761969443"/>
+      </p:ext>
+    </p:extLst>
+  </p:cSld>
+  <p:clrMapOvr>
+    <a:masterClrMapping/>
+  </p:clrMapOvr>
+  <p:timing>
+    <p:tnLst>
+      <p:par>
+        <p:cTn id="1" dur="indefinite" restart="never" nodeType="tmRoot"/>
+      </p:par>
+    </p:tnLst>
+  </p:timing>
+</p:sld>
+</file>
+
 <file path=ppt/slides/slide2.xml><?xml version="1.0" encoding="utf-8"?>
 <p:sld xmlns:a="http://schemas.openxmlformats.org/drawingml/2006/main" xmlns:r="http://schemas.openxmlformats.org/officeDocument/2006/relationships" xmlns:p="http://schemas.openxmlformats.org/presentationml/2006/main">
   <p:cSld>
@@ -9295,7 +9736,7 @@
                   <a:srgbClr val="000000"/>
                 </a:solidFill>
               </a:rPr>
-              <a:t>исследование возможности обучения нейронных сетей для детектирования свободных парковочных </a:t>
+              <a:t>Упростить автолюбителям поиск парковки во дворах жилых </a:t>
             </a:r>
             <a:r>
               <a:rPr lang="ru-RU" sz="2000" dirty="0" smtClean="0">
@@ -9303,14 +9744,11 @@
                   <a:srgbClr val="000000"/>
                 </a:solidFill>
               </a:rPr>
-              <a:t>мест</a:t>
+              <a:t>домов</a:t>
             </a:r>
           </a:p>
           <a:p>
             <a:pPr marL="0" lvl="0" indent="0">
-              <a:lnSpc>
-                <a:spcPct val="100000"/>
-              </a:lnSpc>
               <a:buNone/>
             </a:pPr>
             <a:endParaRPr lang="en-US" sz="2000" dirty="0" smtClean="0">
@@ -9524,32 +9962,23 @@
                   <a:srgbClr val="000000"/>
                 </a:solidFill>
               </a:rPr>
-              <a:t> </a:t>
-            </a:r>
-            <a:endParaRPr lang="en-US" sz="2000" dirty="0" smtClean="0">
-              <a:solidFill>
-                <a:srgbClr val="000000"/>
-              </a:solidFill>
-            </a:endParaRPr>
-          </a:p>
-          <a:p>
-            <a:pPr lvl="0" indent="-381000">
-              <a:spcBef>
-                <a:spcPts val="1600"/>
-              </a:spcBef>
-              <a:buClr>
-                <a:srgbClr val="000000"/>
-              </a:buClr>
-              <a:buSzPts val="2400"/>
-              <a:buAutoNum type="arabicPeriod"/>
-            </a:pPr>
+              <a:t> и </a:t>
+            </a:r>
+            <a:r>
+              <a:rPr lang="ru-RU" sz="2000" dirty="0">
+                <a:solidFill>
+                  <a:srgbClr val="000000"/>
+                </a:solidFill>
+              </a:rPr>
+              <a:t>с</a:t>
+            </a:r>
             <a:r>
               <a:rPr lang="ru-RU" sz="2000" dirty="0" smtClean="0">
                 <a:solidFill>
                   <a:srgbClr val="000000"/>
                 </a:solidFill>
               </a:rPr>
-              <a:t>Составление </a:t>
+              <a:t>оставление </a:t>
             </a:r>
             <a:r>
               <a:rPr lang="ru-RU" sz="2000" dirty="0">
@@ -9749,28 +10178,28 @@
                 <a:gridCol w="2318378">
                   <a:extLst>
                     <a:ext uri="{9D8B030D-6E8A-4147-A177-3AD203B41FA5}">
-                      <a16:colId xmlns:a16="http://schemas.microsoft.com/office/drawing/2014/main" val="20000"/>
+                      <a16:colId xmlns:a16="http://schemas.microsoft.com/office/drawing/2014/main" xmlns="" val="20000"/>
                     </a:ext>
                   </a:extLst>
                 </a:gridCol>
                 <a:gridCol w="1576987">
                   <a:extLst>
                     <a:ext uri="{9D8B030D-6E8A-4147-A177-3AD203B41FA5}">
-                      <a16:colId xmlns:a16="http://schemas.microsoft.com/office/drawing/2014/main" val="20001"/>
+                      <a16:colId xmlns:a16="http://schemas.microsoft.com/office/drawing/2014/main" xmlns="" val="20001"/>
                     </a:ext>
                   </a:extLst>
                 </a:gridCol>
                 <a:gridCol w="2490641">
                   <a:extLst>
                     <a:ext uri="{9D8B030D-6E8A-4147-A177-3AD203B41FA5}">
-                      <a16:colId xmlns:a16="http://schemas.microsoft.com/office/drawing/2014/main" val="20002"/>
+                      <a16:colId xmlns:a16="http://schemas.microsoft.com/office/drawing/2014/main" xmlns="" val="20002"/>
                     </a:ext>
                   </a:extLst>
                 </a:gridCol>
                 <a:gridCol w="2323452">
                   <a:extLst>
                     <a:ext uri="{9D8B030D-6E8A-4147-A177-3AD203B41FA5}">
-                      <a16:colId xmlns:a16="http://schemas.microsoft.com/office/drawing/2014/main" val="20003"/>
+                      <a16:colId xmlns:a16="http://schemas.microsoft.com/office/drawing/2014/main" xmlns="" val="20003"/>
                     </a:ext>
                   </a:extLst>
                 </a:gridCol>
@@ -9982,7 +10411,7 @@
                 </a:tc>
                 <a:extLst>
                   <a:ext uri="{0D108BD9-81ED-4DB2-BD59-A6C34878D82A}">
-                    <a16:rowId xmlns:a16="http://schemas.microsoft.com/office/drawing/2014/main" val="10000"/>
+                    <a16:rowId xmlns:a16="http://schemas.microsoft.com/office/drawing/2014/main" xmlns="" val="10000"/>
                   </a:ext>
                 </a:extLst>
               </a:tr>
@@ -10109,7 +10538,7 @@
                 </a:tc>
                 <a:extLst>
                   <a:ext uri="{0D108BD9-81ED-4DB2-BD59-A6C34878D82A}">
-                    <a16:rowId xmlns:a16="http://schemas.microsoft.com/office/drawing/2014/main" val="10001"/>
+                    <a16:rowId xmlns:a16="http://schemas.microsoft.com/office/drawing/2014/main" xmlns="" val="10001"/>
                   </a:ext>
                 </a:extLst>
               </a:tr>
@@ -10236,7 +10665,7 @@
                 </a:tc>
                 <a:extLst>
                   <a:ext uri="{0D108BD9-81ED-4DB2-BD59-A6C34878D82A}">
-                    <a16:rowId xmlns:a16="http://schemas.microsoft.com/office/drawing/2014/main" val="10002"/>
+                    <a16:rowId xmlns:a16="http://schemas.microsoft.com/office/drawing/2014/main" xmlns="" val="10002"/>
                   </a:ext>
                 </a:extLst>
               </a:tr>
@@ -10384,7 +10813,7 @@
                 </a:tc>
                 <a:extLst>
                   <a:ext uri="{0D108BD9-81ED-4DB2-BD59-A6C34878D82A}">
-                    <a16:rowId xmlns:a16="http://schemas.microsoft.com/office/drawing/2014/main" val="10003"/>
+                    <a16:rowId xmlns:a16="http://schemas.microsoft.com/office/drawing/2014/main" xmlns="" val="10003"/>
                   </a:ext>
                 </a:extLst>
               </a:tr>
@@ -10532,7 +10961,7 @@
                 </a:tc>
                 <a:extLst>
                   <a:ext uri="{0D108BD9-81ED-4DB2-BD59-A6C34878D82A}">
-                    <a16:rowId xmlns:a16="http://schemas.microsoft.com/office/drawing/2014/main" val="10004"/>
+                    <a16:rowId xmlns:a16="http://schemas.microsoft.com/office/drawing/2014/main" xmlns="" val="10004"/>
                   </a:ext>
                 </a:extLst>
               </a:tr>
@@ -10692,7 +11121,7 @@
                 </a:tc>
                 <a:extLst>
                   <a:ext uri="{0D108BD9-81ED-4DB2-BD59-A6C34878D82A}">
-                    <a16:rowId xmlns:a16="http://schemas.microsoft.com/office/drawing/2014/main" val="10005"/>
+                    <a16:rowId xmlns:a16="http://schemas.microsoft.com/office/drawing/2014/main" xmlns="" val="10005"/>
                   </a:ext>
                 </a:extLst>
               </a:tr>
@@ -13886,7 +14315,7 @@
         </p:nvSpPr>
         <p:spPr>
           <a:xfrm>
-            <a:off x="1378200" y="4628561"/>
+            <a:off x="1350271" y="4785080"/>
             <a:ext cx="6387599" cy="338554"/>
           </a:xfrm>
           <a:prstGeom prst="rect">
@@ -13922,7 +14351,7 @@
         </p:nvSpPr>
         <p:spPr>
           <a:xfrm>
-            <a:off x="82866" y="5096166"/>
+            <a:off x="54937" y="5252685"/>
             <a:ext cx="9089063" cy="1346522"/>
           </a:xfrm>
           <a:prstGeom prst="rect">
@@ -14055,7 +14484,7 @@
       </p:sp>
       <p:pic>
         <p:nvPicPr>
-          <p:cNvPr id="7" name="Рисунок 6"/>
+          <p:cNvPr id="4" name="Рисунок 3"/>
           <p:cNvPicPr>
             <a:picLocks noChangeAspect="1"/>
           </p:cNvPicPr>
@@ -14069,13 +14498,13 @@
               </a:ext>
             </a:extLst>
           </a:blip>
-          <a:srcRect r="11913" b="14992"/>
+          <a:srcRect b="2746"/>
           <a:stretch/>
         </p:blipFill>
         <p:spPr>
           <a:xfrm>
-            <a:off x="422497" y="1155006"/>
-            <a:ext cx="8409803" cy="3473555"/>
+            <a:off x="156275" y="1177592"/>
+            <a:ext cx="8775589" cy="3613487"/>
           </a:xfrm>
           <a:prstGeom prst="rect">
             <a:avLst/>
@@ -14365,13 +14794,13 @@
       </p:sp>
       <p:pic>
         <p:nvPicPr>
-          <p:cNvPr id="3" name="Рисунок 2"/>
+          <p:cNvPr id="5" name="Рисунок 4"/>
           <p:cNvPicPr>
             <a:picLocks noChangeAspect="1"/>
           </p:cNvPicPr>
           <p:nvPr/>
         </p:nvPicPr>
-        <p:blipFill rotWithShape="1">
+        <p:blipFill>
           <a:blip r:embed="rId3">
             <a:extLst>
               <a:ext uri="{28A0092B-C50C-407E-A947-70E740481C1C}">
@@ -14379,13 +14808,14 @@
               </a:ext>
             </a:extLst>
           </a:blip>
-          <a:srcRect l="5345" r="1228" b="8699"/>
-          <a:stretch/>
+          <a:stretch>
+            <a:fillRect/>
+          </a:stretch>
         </p:blipFill>
         <p:spPr>
           <a:xfrm>
-            <a:off x="25669" y="1105817"/>
-            <a:ext cx="8995489" cy="2780665"/>
+            <a:off x="89764" y="1028687"/>
+            <a:ext cx="8993981" cy="2780021"/>
           </a:xfrm>
           <a:prstGeom prst="rect">
             <a:avLst/>

--- a/Презентация_ВКР_Костебелова.pptx
+++ b/Презентация_ВКР_Костебелова.pptx
@@ -5,7 +5,7 @@
     <p:sldMasterId id="2147483659" r:id="rId1"/>
   </p:sldMasterIdLst>
   <p:notesMasterIdLst>
-    <p:notesMasterId r:id="rId16"/>
+    <p:notesMasterId r:id="rId17"/>
   </p:notesMasterIdLst>
   <p:sldIdLst>
     <p:sldId id="256" r:id="rId2"/>
@@ -22,6 +22,7 @@
     <p:sldId id="263" r:id="rId13"/>
     <p:sldId id="276" r:id="rId14"/>
     <p:sldId id="275" r:id="rId15"/>
+    <p:sldId id="277" r:id="rId16"/>
   </p:sldIdLst>
   <p:sldSz cx="9144000" cy="6858000" type="screen4x3"/>
   <p:notesSz cx="6858000" cy="9144000"/>
@@ -7245,28 +7246,28 @@
                 <a:gridCol w="2529548">
                   <a:extLst>
                     <a:ext uri="{9D8B030D-6E8A-4147-A177-3AD203B41FA5}">
-                      <a16:colId xmlns:a16="http://schemas.microsoft.com/office/drawing/2014/main" xmlns="" val="20000"/>
+                      <a16:colId xmlns:a16="http://schemas.microsoft.com/office/drawing/2014/main" val="20000"/>
                     </a:ext>
                   </a:extLst>
                 </a:gridCol>
                 <a:gridCol w="1351006">
                   <a:extLst>
                     <a:ext uri="{9D8B030D-6E8A-4147-A177-3AD203B41FA5}">
-                      <a16:colId xmlns:a16="http://schemas.microsoft.com/office/drawing/2014/main" xmlns="" val="20001"/>
+                      <a16:colId xmlns:a16="http://schemas.microsoft.com/office/drawing/2014/main" val="20001"/>
                     </a:ext>
                   </a:extLst>
                 </a:gridCol>
                 <a:gridCol w="1696655">
                   <a:extLst>
                     <a:ext uri="{9D8B030D-6E8A-4147-A177-3AD203B41FA5}">
-                      <a16:colId xmlns:a16="http://schemas.microsoft.com/office/drawing/2014/main" xmlns="" val="20002"/>
+                      <a16:colId xmlns:a16="http://schemas.microsoft.com/office/drawing/2014/main" val="20002"/>
                     </a:ext>
                   </a:extLst>
                 </a:gridCol>
                 <a:gridCol w="2695450">
                   <a:extLst>
                     <a:ext uri="{9D8B030D-6E8A-4147-A177-3AD203B41FA5}">
-                      <a16:colId xmlns:a16="http://schemas.microsoft.com/office/drawing/2014/main" xmlns="" val="20003"/>
+                      <a16:colId xmlns:a16="http://schemas.microsoft.com/office/drawing/2014/main" val="20003"/>
                     </a:ext>
                   </a:extLst>
                 </a:gridCol>
@@ -7414,7 +7415,7 @@
                 </a:tc>
                 <a:extLst>
                   <a:ext uri="{0D108BD9-81ED-4DB2-BD59-A6C34878D82A}">
-                    <a16:rowId xmlns:a16="http://schemas.microsoft.com/office/drawing/2014/main" xmlns="" val="10000"/>
+                    <a16:rowId xmlns:a16="http://schemas.microsoft.com/office/drawing/2014/main" val="10000"/>
                   </a:ext>
                 </a:extLst>
               </a:tr>
@@ -7555,7 +7556,7 @@
                 </a:tc>
                 <a:extLst>
                   <a:ext uri="{0D108BD9-81ED-4DB2-BD59-A6C34878D82A}">
-                    <a16:rowId xmlns:a16="http://schemas.microsoft.com/office/drawing/2014/main" xmlns="" val="10001"/>
+                    <a16:rowId xmlns:a16="http://schemas.microsoft.com/office/drawing/2014/main" val="10001"/>
                   </a:ext>
                 </a:extLst>
               </a:tr>
@@ -7706,7 +7707,7 @@
                 </a:tc>
                 <a:extLst>
                   <a:ext uri="{0D108BD9-81ED-4DB2-BD59-A6C34878D82A}">
-                    <a16:rowId xmlns:a16="http://schemas.microsoft.com/office/drawing/2014/main" xmlns="" val="10002"/>
+                    <a16:rowId xmlns:a16="http://schemas.microsoft.com/office/drawing/2014/main" val="10002"/>
                   </a:ext>
                 </a:extLst>
               </a:tr>
@@ -7841,7 +7842,7 @@
                 </a:tc>
                 <a:extLst>
                   <a:ext uri="{0D108BD9-81ED-4DB2-BD59-A6C34878D82A}">
-                    <a16:rowId xmlns:a16="http://schemas.microsoft.com/office/drawing/2014/main" xmlns="" val="10003"/>
+                    <a16:rowId xmlns:a16="http://schemas.microsoft.com/office/drawing/2014/main" val="10003"/>
                   </a:ext>
                 </a:extLst>
               </a:tr>
@@ -7976,7 +7977,7 @@
                 </a:tc>
                 <a:extLst>
                   <a:ext uri="{0D108BD9-81ED-4DB2-BD59-A6C34878D82A}">
-                    <a16:rowId xmlns:a16="http://schemas.microsoft.com/office/drawing/2014/main" xmlns="" val="10004"/>
+                    <a16:rowId xmlns:a16="http://schemas.microsoft.com/office/drawing/2014/main" val="10004"/>
                   </a:ext>
                 </a:extLst>
               </a:tr>
@@ -8127,7 +8128,7 @@
                 </a:tc>
                 <a:extLst>
                   <a:ext uri="{0D108BD9-81ED-4DB2-BD59-A6C34878D82A}">
-                    <a16:rowId xmlns:a16="http://schemas.microsoft.com/office/drawing/2014/main" xmlns="" val="10005"/>
+                    <a16:rowId xmlns:a16="http://schemas.microsoft.com/office/drawing/2014/main" val="10005"/>
                   </a:ext>
                 </a:extLst>
               </a:tr>
@@ -9176,7 +9177,6 @@
               <a:rPr lang="ru-RU" dirty="0"/>
               <a:t>Запасные слайды</a:t>
             </a:r>
-            <a:endParaRPr lang="ru-RU" dirty="0"/>
           </a:p>
         </p:txBody>
       </p:sp>
@@ -9580,6 +9580,1154 @@
 </p:sld>
 </file>
 
+<file path=ppt/slides/slide15.xml><?xml version="1.0" encoding="utf-8"?>
+<p:sld xmlns:a="http://schemas.openxmlformats.org/drawingml/2006/main" xmlns:r="http://schemas.openxmlformats.org/officeDocument/2006/relationships" xmlns:p="http://schemas.openxmlformats.org/presentationml/2006/main">
+  <p:cSld>
+    <p:spTree>
+      <p:nvGrpSpPr>
+        <p:cNvPr id="1" name=""/>
+        <p:cNvGrpSpPr/>
+        <p:nvPr/>
+      </p:nvGrpSpPr>
+      <p:grpSpPr>
+        <a:xfrm>
+          <a:off x="0" y="0"/>
+          <a:ext cx="0" cy="0"/>
+          <a:chOff x="0" y="0"/>
+          <a:chExt cx="0" cy="0"/>
+        </a:xfrm>
+      </p:grpSpPr>
+      <p:sp>
+        <p:nvSpPr>
+          <p:cNvPr id="2" name="Заголовок 1"/>
+          <p:cNvSpPr>
+            <a:spLocks noGrp="1"/>
+          </p:cNvSpPr>
+          <p:nvPr>
+            <p:ph type="title"/>
+          </p:nvPr>
+        </p:nvSpPr>
+        <p:spPr>
+          <a:xfrm>
+            <a:off x="311700" y="201481"/>
+            <a:ext cx="8520600" cy="939341"/>
+          </a:xfrm>
+        </p:spPr>
+        <p:txBody>
+          <a:bodyPr/>
+          <a:lstStyle/>
+          <a:p>
+            <a:r>
+              <a:rPr lang="ru-RU" dirty="0" smtClean="0"/>
+              <a:t>Время, затраченное на детектирование объектов на одной фотографии</a:t>
+            </a:r>
+            <a:endParaRPr lang="ru-RU" dirty="0"/>
+          </a:p>
+        </p:txBody>
+      </p:sp>
+      <p:sp>
+        <p:nvSpPr>
+          <p:cNvPr id="3" name="Текст 2"/>
+          <p:cNvSpPr>
+            <a:spLocks noGrp="1"/>
+          </p:cNvSpPr>
+          <p:nvPr>
+            <p:ph type="body" idx="1"/>
+          </p:nvPr>
+        </p:nvSpPr>
+        <p:spPr>
+          <a:xfrm>
+            <a:off x="637289" y="1363660"/>
+            <a:ext cx="2614380" cy="2886802"/>
+          </a:xfrm>
+        </p:spPr>
+        <p:txBody>
+          <a:bodyPr/>
+          <a:lstStyle/>
+          <a:p>
+            <a:pPr marL="114300" indent="0">
+              <a:buNone/>
+            </a:pPr>
+            <a:r>
+              <a:rPr lang="en-US" dirty="0" smtClean="0">
+                <a:solidFill>
+                  <a:schemeClr val="tx1"/>
+                </a:solidFill>
+              </a:rPr>
+              <a:t>YOLO Nano: </a:t>
+            </a:r>
+            <a:endParaRPr lang="en-US" dirty="0">
+              <a:solidFill>
+                <a:schemeClr val="tx1"/>
+              </a:solidFill>
+            </a:endParaRPr>
+          </a:p>
+          <a:p>
+            <a:r>
+              <a:rPr lang="en-US" dirty="0" smtClean="0">
+                <a:solidFill>
+                  <a:schemeClr val="tx1"/>
+                </a:solidFill>
+              </a:rPr>
+              <a:t>real:0,609s</a:t>
+            </a:r>
+            <a:endParaRPr lang="en-US" dirty="0">
+              <a:solidFill>
+                <a:schemeClr val="tx1"/>
+              </a:solidFill>
+            </a:endParaRPr>
+          </a:p>
+          <a:p>
+            <a:r>
+              <a:rPr lang="en-US" dirty="0" smtClean="0">
+                <a:solidFill>
+                  <a:schemeClr val="tx1"/>
+                </a:solidFill>
+              </a:rPr>
+              <a:t>user: 0,257s</a:t>
+            </a:r>
+            <a:endParaRPr lang="en-US" dirty="0">
+              <a:solidFill>
+                <a:schemeClr val="tx1"/>
+              </a:solidFill>
+            </a:endParaRPr>
+          </a:p>
+          <a:p>
+            <a:r>
+              <a:rPr lang="en-US" dirty="0" smtClean="0">
+                <a:solidFill>
+                  <a:schemeClr val="tx1"/>
+                </a:solidFill>
+              </a:rPr>
+              <a:t>sys: 0,056s</a:t>
+            </a:r>
+            <a:endParaRPr lang="ru-RU" dirty="0" smtClean="0">
+              <a:solidFill>
+                <a:schemeClr val="tx1"/>
+              </a:solidFill>
+            </a:endParaRPr>
+          </a:p>
+          <a:p>
+            <a:endParaRPr lang="ru-RU" dirty="0" smtClean="0">
+              <a:solidFill>
+                <a:schemeClr val="tx1"/>
+              </a:solidFill>
+            </a:endParaRPr>
+          </a:p>
+          <a:p>
+            <a:pPr marL="114300" indent="0">
+              <a:buNone/>
+            </a:pPr>
+            <a:r>
+              <a:rPr lang="en-US" dirty="0" smtClean="0">
+                <a:solidFill>
+                  <a:schemeClr val="tx1"/>
+                </a:solidFill>
+              </a:rPr>
+              <a:t>YOLO Small:</a:t>
+            </a:r>
+            <a:endParaRPr lang="en-US" dirty="0">
+              <a:solidFill>
+                <a:schemeClr val="tx1"/>
+              </a:solidFill>
+            </a:endParaRPr>
+          </a:p>
+          <a:p>
+            <a:r>
+              <a:rPr lang="en-US" dirty="0" smtClean="0">
+                <a:solidFill>
+                  <a:schemeClr val="tx1"/>
+                </a:solidFill>
+              </a:rPr>
+              <a:t>real: 0,623s</a:t>
+            </a:r>
+            <a:endParaRPr lang="en-US" dirty="0">
+              <a:solidFill>
+                <a:schemeClr val="tx1"/>
+              </a:solidFill>
+            </a:endParaRPr>
+          </a:p>
+          <a:p>
+            <a:r>
+              <a:rPr lang="en-US" dirty="0" smtClean="0">
+                <a:solidFill>
+                  <a:schemeClr val="tx1"/>
+                </a:solidFill>
+              </a:rPr>
+              <a:t>user: 0,258s</a:t>
+            </a:r>
+            <a:endParaRPr lang="en-US" dirty="0">
+              <a:solidFill>
+                <a:schemeClr val="tx1"/>
+              </a:solidFill>
+            </a:endParaRPr>
+          </a:p>
+          <a:p>
+            <a:r>
+              <a:rPr lang="en-US" dirty="0" smtClean="0">
+                <a:solidFill>
+                  <a:schemeClr val="tx1"/>
+                </a:solidFill>
+              </a:rPr>
+              <a:t>sys: 0,059s</a:t>
+            </a:r>
+          </a:p>
+        </p:txBody>
+      </p:sp>
+      <p:sp>
+        <p:nvSpPr>
+          <p:cNvPr id="4" name="Номер слайда 3"/>
+          <p:cNvSpPr>
+            <a:spLocks noGrp="1"/>
+          </p:cNvSpPr>
+          <p:nvPr>
+            <p:ph type="sldNum" idx="12"/>
+          </p:nvPr>
+        </p:nvSpPr>
+        <p:spPr/>
+        <p:txBody>
+          <a:bodyPr/>
+          <a:lstStyle/>
+          <a:p>
+            <a:pPr marL="0" lvl="0" indent="0" algn="r" rtl="0">
+              <a:spcBef>
+                <a:spcPts val="0"/>
+              </a:spcBef>
+              <a:spcAft>
+                <a:spcPts val="0"/>
+              </a:spcAft>
+              <a:buNone/>
+            </a:pPr>
+            <a:fld id="{00000000-1234-1234-1234-123412341234}" type="slidenum">
+              <a:rPr lang="en" smtClean="0"/>
+              <a:t>15</a:t>
+            </a:fld>
+            <a:endParaRPr lang="en"/>
+          </a:p>
+        </p:txBody>
+      </p:sp>
+      <p:sp>
+        <p:nvSpPr>
+          <p:cNvPr id="5" name="Текст 2"/>
+          <p:cNvSpPr txBox="1">
+            <a:spLocks/>
+          </p:cNvSpPr>
+          <p:nvPr/>
+        </p:nvSpPr>
+        <p:spPr>
+          <a:xfrm>
+            <a:off x="5613434" y="1363660"/>
+            <a:ext cx="2859024" cy="3063224"/>
+          </a:xfrm>
+          <a:prstGeom prst="rect">
+            <a:avLst/>
+          </a:prstGeom>
+          <a:noFill/>
+          <a:ln>
+            <a:noFill/>
+          </a:ln>
+        </p:spPr>
+        <p:txBody>
+          <a:bodyPr spcFirstLastPara="1" wrap="square" lIns="91425" tIns="91425" rIns="91425" bIns="91425" anchor="t" anchorCtr="0">
+            <a:noAutofit/>
+          </a:bodyPr>
+          <a:lstStyle>
+            <a:defPPr marR="0" lvl="0" algn="l" rtl="0">
+              <a:lnSpc>
+                <a:spcPct val="100000"/>
+              </a:lnSpc>
+              <a:spcBef>
+                <a:spcPts val="0"/>
+              </a:spcBef>
+              <a:spcAft>
+                <a:spcPts val="0"/>
+              </a:spcAft>
+            </a:defPPr>
+            <a:lvl1pPr marL="457200" marR="0" lvl="0" indent="-342900" algn="l" rtl="0">
+              <a:lnSpc>
+                <a:spcPct val="115000"/>
+              </a:lnSpc>
+              <a:spcBef>
+                <a:spcPts val="0"/>
+              </a:spcBef>
+              <a:spcAft>
+                <a:spcPts val="0"/>
+              </a:spcAft>
+              <a:buClr>
+                <a:schemeClr val="dk2"/>
+              </a:buClr>
+              <a:buSzPts val="1800"/>
+              <a:buFont typeface="Arial"/>
+              <a:buChar char="●"/>
+              <a:defRPr sz="1800" b="0" i="0" u="none" strike="noStrike" cap="none">
+                <a:solidFill>
+                  <a:schemeClr val="dk2"/>
+                </a:solidFill>
+                <a:latin typeface="Arial"/>
+                <a:ea typeface="Arial"/>
+                <a:cs typeface="Arial"/>
+                <a:sym typeface="Arial"/>
+              </a:defRPr>
+            </a:lvl1pPr>
+            <a:lvl2pPr marL="914400" marR="0" lvl="1" indent="-317500" algn="l" rtl="0">
+              <a:lnSpc>
+                <a:spcPct val="115000"/>
+              </a:lnSpc>
+              <a:spcBef>
+                <a:spcPts val="1600"/>
+              </a:spcBef>
+              <a:spcAft>
+                <a:spcPts val="0"/>
+              </a:spcAft>
+              <a:buClr>
+                <a:schemeClr val="dk2"/>
+              </a:buClr>
+              <a:buSzPts val="1400"/>
+              <a:buFont typeface="Arial"/>
+              <a:buChar char="○"/>
+              <a:defRPr sz="1400" b="0" i="0" u="none" strike="noStrike" cap="none">
+                <a:solidFill>
+                  <a:schemeClr val="dk2"/>
+                </a:solidFill>
+                <a:latin typeface="Arial"/>
+                <a:ea typeface="Arial"/>
+                <a:cs typeface="Arial"/>
+                <a:sym typeface="Arial"/>
+              </a:defRPr>
+            </a:lvl2pPr>
+            <a:lvl3pPr marL="1371600" marR="0" lvl="2" indent="-317500" algn="l" rtl="0">
+              <a:lnSpc>
+                <a:spcPct val="115000"/>
+              </a:lnSpc>
+              <a:spcBef>
+                <a:spcPts val="1600"/>
+              </a:spcBef>
+              <a:spcAft>
+                <a:spcPts val="0"/>
+              </a:spcAft>
+              <a:buClr>
+                <a:schemeClr val="dk2"/>
+              </a:buClr>
+              <a:buSzPts val="1400"/>
+              <a:buFont typeface="Arial"/>
+              <a:buChar char="■"/>
+              <a:defRPr sz="1400" b="0" i="0" u="none" strike="noStrike" cap="none">
+                <a:solidFill>
+                  <a:schemeClr val="dk2"/>
+                </a:solidFill>
+                <a:latin typeface="Arial"/>
+                <a:ea typeface="Arial"/>
+                <a:cs typeface="Arial"/>
+                <a:sym typeface="Arial"/>
+              </a:defRPr>
+            </a:lvl3pPr>
+            <a:lvl4pPr marL="1828800" marR="0" lvl="3" indent="-317500" algn="l" rtl="0">
+              <a:lnSpc>
+                <a:spcPct val="115000"/>
+              </a:lnSpc>
+              <a:spcBef>
+                <a:spcPts val="1600"/>
+              </a:spcBef>
+              <a:spcAft>
+                <a:spcPts val="0"/>
+              </a:spcAft>
+              <a:buClr>
+                <a:schemeClr val="dk2"/>
+              </a:buClr>
+              <a:buSzPts val="1400"/>
+              <a:buFont typeface="Arial"/>
+              <a:buChar char="●"/>
+              <a:defRPr sz="1400" b="0" i="0" u="none" strike="noStrike" cap="none">
+                <a:solidFill>
+                  <a:schemeClr val="dk2"/>
+                </a:solidFill>
+                <a:latin typeface="Arial"/>
+                <a:ea typeface="Arial"/>
+                <a:cs typeface="Arial"/>
+                <a:sym typeface="Arial"/>
+              </a:defRPr>
+            </a:lvl4pPr>
+            <a:lvl5pPr marL="2286000" marR="0" lvl="4" indent="-317500" algn="l" rtl="0">
+              <a:lnSpc>
+                <a:spcPct val="115000"/>
+              </a:lnSpc>
+              <a:spcBef>
+                <a:spcPts val="1600"/>
+              </a:spcBef>
+              <a:spcAft>
+                <a:spcPts val="0"/>
+              </a:spcAft>
+              <a:buClr>
+                <a:schemeClr val="dk2"/>
+              </a:buClr>
+              <a:buSzPts val="1400"/>
+              <a:buFont typeface="Arial"/>
+              <a:buChar char="○"/>
+              <a:defRPr sz="1400" b="0" i="0" u="none" strike="noStrike" cap="none">
+                <a:solidFill>
+                  <a:schemeClr val="dk2"/>
+                </a:solidFill>
+                <a:latin typeface="Arial"/>
+                <a:ea typeface="Arial"/>
+                <a:cs typeface="Arial"/>
+                <a:sym typeface="Arial"/>
+              </a:defRPr>
+            </a:lvl5pPr>
+            <a:lvl6pPr marL="2743200" marR="0" lvl="5" indent="-317500" algn="l" rtl="0">
+              <a:lnSpc>
+                <a:spcPct val="115000"/>
+              </a:lnSpc>
+              <a:spcBef>
+                <a:spcPts val="1600"/>
+              </a:spcBef>
+              <a:spcAft>
+                <a:spcPts val="0"/>
+              </a:spcAft>
+              <a:buClr>
+                <a:schemeClr val="dk2"/>
+              </a:buClr>
+              <a:buSzPts val="1400"/>
+              <a:buFont typeface="Arial"/>
+              <a:buChar char="■"/>
+              <a:defRPr sz="1400" b="0" i="0" u="none" strike="noStrike" cap="none">
+                <a:solidFill>
+                  <a:schemeClr val="dk2"/>
+                </a:solidFill>
+                <a:latin typeface="Arial"/>
+                <a:ea typeface="Arial"/>
+                <a:cs typeface="Arial"/>
+                <a:sym typeface="Arial"/>
+              </a:defRPr>
+            </a:lvl6pPr>
+            <a:lvl7pPr marL="3200400" marR="0" lvl="6" indent="-317500" algn="l" rtl="0">
+              <a:lnSpc>
+                <a:spcPct val="115000"/>
+              </a:lnSpc>
+              <a:spcBef>
+                <a:spcPts val="1600"/>
+              </a:spcBef>
+              <a:spcAft>
+                <a:spcPts val="0"/>
+              </a:spcAft>
+              <a:buClr>
+                <a:schemeClr val="dk2"/>
+              </a:buClr>
+              <a:buSzPts val="1400"/>
+              <a:buFont typeface="Arial"/>
+              <a:buChar char="●"/>
+              <a:defRPr sz="1400" b="0" i="0" u="none" strike="noStrike" cap="none">
+                <a:solidFill>
+                  <a:schemeClr val="dk2"/>
+                </a:solidFill>
+                <a:latin typeface="Arial"/>
+                <a:ea typeface="Arial"/>
+                <a:cs typeface="Arial"/>
+                <a:sym typeface="Arial"/>
+              </a:defRPr>
+            </a:lvl7pPr>
+            <a:lvl8pPr marL="3657600" marR="0" lvl="7" indent="-317500" algn="l" rtl="0">
+              <a:lnSpc>
+                <a:spcPct val="115000"/>
+              </a:lnSpc>
+              <a:spcBef>
+                <a:spcPts val="1600"/>
+              </a:spcBef>
+              <a:spcAft>
+                <a:spcPts val="0"/>
+              </a:spcAft>
+              <a:buClr>
+                <a:schemeClr val="dk2"/>
+              </a:buClr>
+              <a:buSzPts val="1400"/>
+              <a:buFont typeface="Arial"/>
+              <a:buChar char="○"/>
+              <a:defRPr sz="1400" b="0" i="0" u="none" strike="noStrike" cap="none">
+                <a:solidFill>
+                  <a:schemeClr val="dk2"/>
+                </a:solidFill>
+                <a:latin typeface="Arial"/>
+                <a:ea typeface="Arial"/>
+                <a:cs typeface="Arial"/>
+                <a:sym typeface="Arial"/>
+              </a:defRPr>
+            </a:lvl8pPr>
+            <a:lvl9pPr marL="4114800" marR="0" lvl="8" indent="-317500" algn="l" rtl="0">
+              <a:lnSpc>
+                <a:spcPct val="115000"/>
+              </a:lnSpc>
+              <a:spcBef>
+                <a:spcPts val="1600"/>
+              </a:spcBef>
+              <a:spcAft>
+                <a:spcPts val="1600"/>
+              </a:spcAft>
+              <a:buClr>
+                <a:schemeClr val="dk2"/>
+              </a:buClr>
+              <a:buSzPts val="1400"/>
+              <a:buFont typeface="Arial"/>
+              <a:buChar char="■"/>
+              <a:defRPr sz="1400" b="0" i="0" u="none" strike="noStrike" cap="none">
+                <a:solidFill>
+                  <a:schemeClr val="dk2"/>
+                </a:solidFill>
+                <a:latin typeface="Arial"/>
+                <a:ea typeface="Arial"/>
+                <a:cs typeface="Arial"/>
+                <a:sym typeface="Arial"/>
+              </a:defRPr>
+            </a:lvl9pPr>
+          </a:lstStyle>
+          <a:p>
+            <a:pPr marL="114300" indent="0">
+              <a:buNone/>
+            </a:pPr>
+            <a:r>
+              <a:rPr lang="en-US" dirty="0">
+                <a:solidFill>
+                  <a:schemeClr val="tx1"/>
+                </a:solidFill>
+              </a:rPr>
+              <a:t>Faster </a:t>
+            </a:r>
+            <a:r>
+              <a:rPr lang="en-US" dirty="0" smtClean="0">
+                <a:solidFill>
+                  <a:schemeClr val="tx1"/>
+                </a:solidFill>
+              </a:rPr>
+              <a:t>r-</a:t>
+            </a:r>
+            <a:r>
+              <a:rPr lang="en-US" dirty="0" err="1" smtClean="0">
+                <a:solidFill>
+                  <a:schemeClr val="tx1"/>
+                </a:solidFill>
+              </a:rPr>
+              <a:t>cnn</a:t>
+            </a:r>
+            <a:r>
+              <a:rPr lang="en-US" dirty="0" smtClean="0">
+                <a:solidFill>
+                  <a:schemeClr val="tx1"/>
+                </a:solidFill>
+              </a:rPr>
+              <a:t> ResNet50</a:t>
+            </a:r>
+            <a:r>
+              <a:rPr lang="en-US" dirty="0">
+                <a:solidFill>
+                  <a:schemeClr val="tx1"/>
+                </a:solidFill>
+              </a:rPr>
+              <a:t>:</a:t>
+            </a:r>
+          </a:p>
+          <a:p>
+            <a:r>
+              <a:rPr lang="en-US" dirty="0" smtClean="0">
+                <a:solidFill>
+                  <a:schemeClr val="tx1"/>
+                </a:solidFill>
+              </a:rPr>
+              <a:t>real: 0,629s</a:t>
+            </a:r>
+            <a:endParaRPr lang="en-US" dirty="0">
+              <a:solidFill>
+                <a:schemeClr val="tx1"/>
+              </a:solidFill>
+            </a:endParaRPr>
+          </a:p>
+          <a:p>
+            <a:r>
+              <a:rPr lang="en-US" dirty="0" smtClean="0">
+                <a:solidFill>
+                  <a:schemeClr val="tx1"/>
+                </a:solidFill>
+              </a:rPr>
+              <a:t>user: 0,550s</a:t>
+            </a:r>
+            <a:endParaRPr lang="en-US" dirty="0">
+              <a:solidFill>
+                <a:schemeClr val="tx1"/>
+              </a:solidFill>
+            </a:endParaRPr>
+          </a:p>
+          <a:p>
+            <a:r>
+              <a:rPr lang="en-US" dirty="0" smtClean="0">
+                <a:solidFill>
+                  <a:schemeClr val="tx1"/>
+                </a:solidFill>
+              </a:rPr>
+              <a:t>sys: 0,078s</a:t>
+            </a:r>
+            <a:endParaRPr lang="ru-RU" dirty="0" smtClean="0">
+              <a:solidFill>
+                <a:schemeClr val="tx1"/>
+              </a:solidFill>
+            </a:endParaRPr>
+          </a:p>
+          <a:p>
+            <a:endParaRPr lang="ru-RU" dirty="0" smtClean="0">
+              <a:solidFill>
+                <a:schemeClr val="tx1"/>
+              </a:solidFill>
+            </a:endParaRPr>
+          </a:p>
+          <a:p>
+            <a:pPr marL="114300" indent="0">
+              <a:buNone/>
+            </a:pPr>
+            <a:r>
+              <a:rPr lang="en-US" dirty="0">
+                <a:solidFill>
+                  <a:schemeClr val="tx1"/>
+                </a:solidFill>
+              </a:rPr>
+              <a:t>Faster </a:t>
+            </a:r>
+            <a:r>
+              <a:rPr lang="en-US" dirty="0" smtClean="0">
+                <a:solidFill>
+                  <a:schemeClr val="tx1"/>
+                </a:solidFill>
+              </a:rPr>
+              <a:t>r-</a:t>
+            </a:r>
+            <a:r>
+              <a:rPr lang="en-US" dirty="0" err="1" smtClean="0">
+                <a:solidFill>
+                  <a:schemeClr val="tx1"/>
+                </a:solidFill>
+              </a:rPr>
+              <a:t>cnn</a:t>
+            </a:r>
+            <a:r>
+              <a:rPr lang="en-US" dirty="0" smtClean="0">
+                <a:solidFill>
+                  <a:schemeClr val="tx1"/>
+                </a:solidFill>
+              </a:rPr>
+              <a:t> VGG16</a:t>
+            </a:r>
+            <a:r>
+              <a:rPr lang="en-US" dirty="0">
+                <a:solidFill>
+                  <a:schemeClr val="tx1"/>
+                </a:solidFill>
+              </a:rPr>
+              <a:t>:</a:t>
+            </a:r>
+          </a:p>
+          <a:p>
+            <a:r>
+              <a:rPr lang="en-US" dirty="0" smtClean="0">
+                <a:solidFill>
+                  <a:schemeClr val="tx1"/>
+                </a:solidFill>
+              </a:rPr>
+              <a:t>real: 0,608s</a:t>
+            </a:r>
+            <a:endParaRPr lang="en-US" dirty="0">
+              <a:solidFill>
+                <a:schemeClr val="tx1"/>
+              </a:solidFill>
+            </a:endParaRPr>
+          </a:p>
+          <a:p>
+            <a:r>
+              <a:rPr lang="en-US" dirty="0" smtClean="0">
+                <a:solidFill>
+                  <a:schemeClr val="tx1"/>
+                </a:solidFill>
+              </a:rPr>
+              <a:t>user: 0,542s</a:t>
+            </a:r>
+            <a:endParaRPr lang="en-US" dirty="0">
+              <a:solidFill>
+                <a:schemeClr val="tx1"/>
+              </a:solidFill>
+            </a:endParaRPr>
+          </a:p>
+          <a:p>
+            <a:r>
+              <a:rPr lang="en-US" dirty="0" smtClean="0">
+                <a:solidFill>
+                  <a:schemeClr val="tx1"/>
+                </a:solidFill>
+              </a:rPr>
+              <a:t>sys: 0,072s</a:t>
+            </a:r>
+            <a:endParaRPr lang="ru-RU" dirty="0">
+              <a:solidFill>
+                <a:schemeClr val="tx1"/>
+              </a:solidFill>
+            </a:endParaRPr>
+          </a:p>
+        </p:txBody>
+      </p:sp>
+      <p:sp>
+        <p:nvSpPr>
+          <p:cNvPr id="6" name="Прямоугольник 5"/>
+          <p:cNvSpPr/>
+          <p:nvPr/>
+        </p:nvSpPr>
+        <p:spPr>
+          <a:xfrm>
+            <a:off x="311700" y="4955724"/>
+            <a:ext cx="8327203" cy="1287532"/>
+          </a:xfrm>
+          <a:prstGeom prst="rect">
+            <a:avLst/>
+          </a:prstGeom>
+        </p:spPr>
+        <p:txBody>
+          <a:bodyPr wrap="square">
+            <a:spAutoFit/>
+          </a:bodyPr>
+          <a:lstStyle/>
+          <a:p>
+            <a:pPr>
+              <a:lnSpc>
+                <a:spcPct val="150000"/>
+              </a:lnSpc>
+            </a:pPr>
+            <a:r>
+              <a:rPr lang="ru-RU" sz="1800" dirty="0" err="1"/>
+              <a:t>real</a:t>
+            </a:r>
+            <a:r>
+              <a:rPr lang="ru-RU" sz="1800" dirty="0"/>
+              <a:t> </a:t>
+            </a:r>
+            <a:r>
+              <a:rPr lang="ru-RU" sz="1800" dirty="0" smtClean="0"/>
+              <a:t>–</a:t>
+            </a:r>
+            <a:r>
+              <a:rPr lang="en-US" sz="1800" dirty="0" smtClean="0"/>
+              <a:t> </a:t>
+            </a:r>
+            <a:r>
+              <a:rPr lang="ru-RU" sz="1800" dirty="0" smtClean="0"/>
+              <a:t>общее </a:t>
+            </a:r>
+            <a:r>
+              <a:rPr lang="ru-RU" sz="1800" dirty="0"/>
+              <a:t>время, затраченное </a:t>
+            </a:r>
+            <a:r>
+              <a:rPr lang="ru-RU" sz="1800" dirty="0" smtClean="0"/>
+              <a:t>программой</a:t>
+            </a:r>
+            <a:r>
+              <a:rPr lang="en-US" sz="1800" dirty="0"/>
+              <a:t>.</a:t>
+            </a:r>
+            <a:endParaRPr lang="ru-RU" sz="1800" dirty="0"/>
+          </a:p>
+          <a:p>
+            <a:pPr>
+              <a:lnSpc>
+                <a:spcPct val="150000"/>
+              </a:lnSpc>
+            </a:pPr>
+            <a:r>
+              <a:rPr lang="ru-RU" sz="1800" dirty="0" err="1"/>
+              <a:t>user</a:t>
+            </a:r>
+            <a:r>
+              <a:rPr lang="ru-RU" sz="1800" dirty="0"/>
+              <a:t> </a:t>
+            </a:r>
+            <a:r>
+              <a:rPr lang="ru-RU" sz="1800" dirty="0" smtClean="0"/>
+              <a:t>–</a:t>
+            </a:r>
+            <a:r>
+              <a:rPr lang="en-US" sz="1800" dirty="0" smtClean="0"/>
+              <a:t> </a:t>
+            </a:r>
+            <a:r>
+              <a:rPr lang="ru-RU" sz="1800" dirty="0" smtClean="0"/>
+              <a:t>время</a:t>
+            </a:r>
+            <a:r>
+              <a:rPr lang="ru-RU" sz="1800" dirty="0"/>
+              <a:t>, затраченное программой в пользовательском </a:t>
+            </a:r>
+            <a:r>
+              <a:rPr lang="ru-RU" sz="1800" dirty="0" smtClean="0"/>
+              <a:t>режиме</a:t>
+            </a:r>
+            <a:r>
+              <a:rPr lang="en-US" sz="1800" dirty="0" smtClean="0"/>
+              <a:t>.</a:t>
+            </a:r>
+            <a:endParaRPr lang="ru-RU" sz="1800" dirty="0"/>
+          </a:p>
+          <a:p>
+            <a:pPr>
+              <a:lnSpc>
+                <a:spcPct val="150000"/>
+              </a:lnSpc>
+            </a:pPr>
+            <a:r>
+              <a:rPr lang="ru-RU" sz="1800" dirty="0" err="1"/>
+              <a:t>sys</a:t>
+            </a:r>
+            <a:r>
+              <a:rPr lang="ru-RU" sz="1800" dirty="0"/>
+              <a:t> – </a:t>
+            </a:r>
+            <a:r>
+              <a:rPr lang="ru-RU" sz="1800" dirty="0" smtClean="0"/>
+              <a:t>время</a:t>
+            </a:r>
+            <a:r>
+              <a:rPr lang="ru-RU" sz="1800" dirty="0"/>
+              <a:t>, затраченное программой в режиме ядра.</a:t>
+            </a:r>
+          </a:p>
+        </p:txBody>
+      </p:sp>
+      <p:sp>
+        <p:nvSpPr>
+          <p:cNvPr id="8" name="Текст 2"/>
+          <p:cNvSpPr txBox="1">
+            <a:spLocks/>
+          </p:cNvSpPr>
+          <p:nvPr/>
+        </p:nvSpPr>
+        <p:spPr>
+          <a:xfrm>
+            <a:off x="3125362" y="2163678"/>
+            <a:ext cx="2614380" cy="1637034"/>
+          </a:xfrm>
+          <a:prstGeom prst="rect">
+            <a:avLst/>
+          </a:prstGeom>
+          <a:noFill/>
+          <a:ln>
+            <a:noFill/>
+          </a:ln>
+        </p:spPr>
+        <p:txBody>
+          <a:bodyPr spcFirstLastPara="1" wrap="square" lIns="91425" tIns="91425" rIns="91425" bIns="91425" anchor="t" anchorCtr="0">
+            <a:noAutofit/>
+          </a:bodyPr>
+          <a:lstStyle>
+            <a:defPPr marR="0" lvl="0" algn="l" rtl="0">
+              <a:lnSpc>
+                <a:spcPct val="100000"/>
+              </a:lnSpc>
+              <a:spcBef>
+                <a:spcPts val="0"/>
+              </a:spcBef>
+              <a:spcAft>
+                <a:spcPts val="0"/>
+              </a:spcAft>
+            </a:defPPr>
+            <a:lvl1pPr marL="457200" marR="0" lvl="0" indent="-342900" algn="l" rtl="0">
+              <a:lnSpc>
+                <a:spcPct val="115000"/>
+              </a:lnSpc>
+              <a:spcBef>
+                <a:spcPts val="0"/>
+              </a:spcBef>
+              <a:spcAft>
+                <a:spcPts val="0"/>
+              </a:spcAft>
+              <a:buClr>
+                <a:schemeClr val="dk2"/>
+              </a:buClr>
+              <a:buSzPts val="1800"/>
+              <a:buFont typeface="Arial"/>
+              <a:buChar char="●"/>
+              <a:defRPr sz="1800" b="0" i="0" u="none" strike="noStrike" cap="none">
+                <a:solidFill>
+                  <a:schemeClr val="dk2"/>
+                </a:solidFill>
+                <a:latin typeface="Arial"/>
+                <a:ea typeface="Arial"/>
+                <a:cs typeface="Arial"/>
+                <a:sym typeface="Arial"/>
+              </a:defRPr>
+            </a:lvl1pPr>
+            <a:lvl2pPr marL="914400" marR="0" lvl="1" indent="-317500" algn="l" rtl="0">
+              <a:lnSpc>
+                <a:spcPct val="115000"/>
+              </a:lnSpc>
+              <a:spcBef>
+                <a:spcPts val="1600"/>
+              </a:spcBef>
+              <a:spcAft>
+                <a:spcPts val="0"/>
+              </a:spcAft>
+              <a:buClr>
+                <a:schemeClr val="dk2"/>
+              </a:buClr>
+              <a:buSzPts val="1400"/>
+              <a:buFont typeface="Arial"/>
+              <a:buChar char="○"/>
+              <a:defRPr sz="1400" b="0" i="0" u="none" strike="noStrike" cap="none">
+                <a:solidFill>
+                  <a:schemeClr val="dk2"/>
+                </a:solidFill>
+                <a:latin typeface="Arial"/>
+                <a:ea typeface="Arial"/>
+                <a:cs typeface="Arial"/>
+                <a:sym typeface="Arial"/>
+              </a:defRPr>
+            </a:lvl2pPr>
+            <a:lvl3pPr marL="1371600" marR="0" lvl="2" indent="-317500" algn="l" rtl="0">
+              <a:lnSpc>
+                <a:spcPct val="115000"/>
+              </a:lnSpc>
+              <a:spcBef>
+                <a:spcPts val="1600"/>
+              </a:spcBef>
+              <a:spcAft>
+                <a:spcPts val="0"/>
+              </a:spcAft>
+              <a:buClr>
+                <a:schemeClr val="dk2"/>
+              </a:buClr>
+              <a:buSzPts val="1400"/>
+              <a:buFont typeface="Arial"/>
+              <a:buChar char="■"/>
+              <a:defRPr sz="1400" b="0" i="0" u="none" strike="noStrike" cap="none">
+                <a:solidFill>
+                  <a:schemeClr val="dk2"/>
+                </a:solidFill>
+                <a:latin typeface="Arial"/>
+                <a:ea typeface="Arial"/>
+                <a:cs typeface="Arial"/>
+                <a:sym typeface="Arial"/>
+              </a:defRPr>
+            </a:lvl3pPr>
+            <a:lvl4pPr marL="1828800" marR="0" lvl="3" indent="-317500" algn="l" rtl="0">
+              <a:lnSpc>
+                <a:spcPct val="115000"/>
+              </a:lnSpc>
+              <a:spcBef>
+                <a:spcPts val="1600"/>
+              </a:spcBef>
+              <a:spcAft>
+                <a:spcPts val="0"/>
+              </a:spcAft>
+              <a:buClr>
+                <a:schemeClr val="dk2"/>
+              </a:buClr>
+              <a:buSzPts val="1400"/>
+              <a:buFont typeface="Arial"/>
+              <a:buChar char="●"/>
+              <a:defRPr sz="1400" b="0" i="0" u="none" strike="noStrike" cap="none">
+                <a:solidFill>
+                  <a:schemeClr val="dk2"/>
+                </a:solidFill>
+                <a:latin typeface="Arial"/>
+                <a:ea typeface="Arial"/>
+                <a:cs typeface="Arial"/>
+                <a:sym typeface="Arial"/>
+              </a:defRPr>
+            </a:lvl4pPr>
+            <a:lvl5pPr marL="2286000" marR="0" lvl="4" indent="-317500" algn="l" rtl="0">
+              <a:lnSpc>
+                <a:spcPct val="115000"/>
+              </a:lnSpc>
+              <a:spcBef>
+                <a:spcPts val="1600"/>
+              </a:spcBef>
+              <a:spcAft>
+                <a:spcPts val="0"/>
+              </a:spcAft>
+              <a:buClr>
+                <a:schemeClr val="dk2"/>
+              </a:buClr>
+              <a:buSzPts val="1400"/>
+              <a:buFont typeface="Arial"/>
+              <a:buChar char="○"/>
+              <a:defRPr sz="1400" b="0" i="0" u="none" strike="noStrike" cap="none">
+                <a:solidFill>
+                  <a:schemeClr val="dk2"/>
+                </a:solidFill>
+                <a:latin typeface="Arial"/>
+                <a:ea typeface="Arial"/>
+                <a:cs typeface="Arial"/>
+                <a:sym typeface="Arial"/>
+              </a:defRPr>
+            </a:lvl5pPr>
+            <a:lvl6pPr marL="2743200" marR="0" lvl="5" indent="-317500" algn="l" rtl="0">
+              <a:lnSpc>
+                <a:spcPct val="115000"/>
+              </a:lnSpc>
+              <a:spcBef>
+                <a:spcPts val="1600"/>
+              </a:spcBef>
+              <a:spcAft>
+                <a:spcPts val="0"/>
+              </a:spcAft>
+              <a:buClr>
+                <a:schemeClr val="dk2"/>
+              </a:buClr>
+              <a:buSzPts val="1400"/>
+              <a:buFont typeface="Arial"/>
+              <a:buChar char="■"/>
+              <a:defRPr sz="1400" b="0" i="0" u="none" strike="noStrike" cap="none">
+                <a:solidFill>
+                  <a:schemeClr val="dk2"/>
+                </a:solidFill>
+                <a:latin typeface="Arial"/>
+                <a:ea typeface="Arial"/>
+                <a:cs typeface="Arial"/>
+                <a:sym typeface="Arial"/>
+              </a:defRPr>
+            </a:lvl6pPr>
+            <a:lvl7pPr marL="3200400" marR="0" lvl="6" indent="-317500" algn="l" rtl="0">
+              <a:lnSpc>
+                <a:spcPct val="115000"/>
+              </a:lnSpc>
+              <a:spcBef>
+                <a:spcPts val="1600"/>
+              </a:spcBef>
+              <a:spcAft>
+                <a:spcPts val="0"/>
+              </a:spcAft>
+              <a:buClr>
+                <a:schemeClr val="dk2"/>
+              </a:buClr>
+              <a:buSzPts val="1400"/>
+              <a:buFont typeface="Arial"/>
+              <a:buChar char="●"/>
+              <a:defRPr sz="1400" b="0" i="0" u="none" strike="noStrike" cap="none">
+                <a:solidFill>
+                  <a:schemeClr val="dk2"/>
+                </a:solidFill>
+                <a:latin typeface="Arial"/>
+                <a:ea typeface="Arial"/>
+                <a:cs typeface="Arial"/>
+                <a:sym typeface="Arial"/>
+              </a:defRPr>
+            </a:lvl7pPr>
+            <a:lvl8pPr marL="3657600" marR="0" lvl="7" indent="-317500" algn="l" rtl="0">
+              <a:lnSpc>
+                <a:spcPct val="115000"/>
+              </a:lnSpc>
+              <a:spcBef>
+                <a:spcPts val="1600"/>
+              </a:spcBef>
+              <a:spcAft>
+                <a:spcPts val="0"/>
+              </a:spcAft>
+              <a:buClr>
+                <a:schemeClr val="dk2"/>
+              </a:buClr>
+              <a:buSzPts val="1400"/>
+              <a:buFont typeface="Arial"/>
+              <a:buChar char="○"/>
+              <a:defRPr sz="1400" b="0" i="0" u="none" strike="noStrike" cap="none">
+                <a:solidFill>
+                  <a:schemeClr val="dk2"/>
+                </a:solidFill>
+                <a:latin typeface="Arial"/>
+                <a:ea typeface="Arial"/>
+                <a:cs typeface="Arial"/>
+                <a:sym typeface="Arial"/>
+              </a:defRPr>
+            </a:lvl8pPr>
+            <a:lvl9pPr marL="4114800" marR="0" lvl="8" indent="-317500" algn="l" rtl="0">
+              <a:lnSpc>
+                <a:spcPct val="115000"/>
+              </a:lnSpc>
+              <a:spcBef>
+                <a:spcPts val="1600"/>
+              </a:spcBef>
+              <a:spcAft>
+                <a:spcPts val="1600"/>
+              </a:spcAft>
+              <a:buClr>
+                <a:schemeClr val="dk2"/>
+              </a:buClr>
+              <a:buSzPts val="1400"/>
+              <a:buFont typeface="Arial"/>
+              <a:buChar char="■"/>
+              <a:defRPr sz="1400" b="0" i="0" u="none" strike="noStrike" cap="none">
+                <a:solidFill>
+                  <a:schemeClr val="dk2"/>
+                </a:solidFill>
+                <a:latin typeface="Arial"/>
+                <a:ea typeface="Arial"/>
+                <a:cs typeface="Arial"/>
+                <a:sym typeface="Arial"/>
+              </a:defRPr>
+            </a:lvl9pPr>
+          </a:lstStyle>
+          <a:p>
+            <a:pPr marL="114300" indent="0">
+              <a:buFont typeface="Arial"/>
+              <a:buNone/>
+            </a:pPr>
+            <a:r>
+              <a:rPr lang="en-US" dirty="0" smtClean="0">
+                <a:solidFill>
+                  <a:schemeClr val="tx1"/>
+                </a:solidFill>
+              </a:rPr>
+              <a:t>YOLO Medium</a:t>
+            </a:r>
+          </a:p>
+          <a:p>
+            <a:r>
+              <a:rPr lang="en-US" dirty="0" smtClean="0">
+                <a:solidFill>
+                  <a:schemeClr val="tx1"/>
+                </a:solidFill>
+              </a:rPr>
+              <a:t>real: 0,638s</a:t>
+            </a:r>
+          </a:p>
+          <a:p>
+            <a:r>
+              <a:rPr lang="en-US" dirty="0" smtClean="0">
+                <a:solidFill>
+                  <a:schemeClr val="tx1"/>
+                </a:solidFill>
+              </a:rPr>
+              <a:t>user: 0,282s</a:t>
+            </a:r>
+          </a:p>
+          <a:p>
+            <a:r>
+              <a:rPr lang="en-US" dirty="0" smtClean="0">
+                <a:solidFill>
+                  <a:schemeClr val="tx1"/>
+                </a:solidFill>
+              </a:rPr>
+              <a:t>sys: 0,060s</a:t>
+            </a:r>
+            <a:endParaRPr lang="ru-RU" dirty="0">
+              <a:solidFill>
+                <a:schemeClr val="tx1"/>
+              </a:solidFill>
+            </a:endParaRPr>
+          </a:p>
+        </p:txBody>
+      </p:sp>
+    </p:spTree>
+    <p:extLst>
+      <p:ext uri="{BB962C8B-B14F-4D97-AF65-F5344CB8AC3E}">
+        <p14:creationId xmlns:p14="http://schemas.microsoft.com/office/powerpoint/2010/main" val="3809696167"/>
+      </p:ext>
+    </p:extLst>
+  </p:cSld>
+  <p:clrMapOvr>
+    <a:masterClrMapping/>
+  </p:clrMapOvr>
+</p:sld>
+</file>
+
 <file path=ppt/slides/slide2.xml><?xml version="1.0" encoding="utf-8"?>
 <p:sld xmlns:a="http://schemas.openxmlformats.org/drawingml/2006/main" xmlns:r="http://schemas.openxmlformats.org/officeDocument/2006/relationships" xmlns:p="http://schemas.openxmlformats.org/presentationml/2006/main">
   <p:cSld>
@@ -10178,28 +11326,28 @@
                 <a:gridCol w="2318378">
                   <a:extLst>
                     <a:ext uri="{9D8B030D-6E8A-4147-A177-3AD203B41FA5}">
-                      <a16:colId xmlns:a16="http://schemas.microsoft.com/office/drawing/2014/main" xmlns="" val="20000"/>
+                      <a16:colId xmlns:a16="http://schemas.microsoft.com/office/drawing/2014/main" val="20000"/>
                     </a:ext>
                   </a:extLst>
                 </a:gridCol>
                 <a:gridCol w="1576987">
                   <a:extLst>
                     <a:ext uri="{9D8B030D-6E8A-4147-A177-3AD203B41FA5}">
-                      <a16:colId xmlns:a16="http://schemas.microsoft.com/office/drawing/2014/main" xmlns="" val="20001"/>
+                      <a16:colId xmlns:a16="http://schemas.microsoft.com/office/drawing/2014/main" val="20001"/>
                     </a:ext>
                   </a:extLst>
                 </a:gridCol>
                 <a:gridCol w="2490641">
                   <a:extLst>
                     <a:ext uri="{9D8B030D-6E8A-4147-A177-3AD203B41FA5}">
-                      <a16:colId xmlns:a16="http://schemas.microsoft.com/office/drawing/2014/main" xmlns="" val="20002"/>
+                      <a16:colId xmlns:a16="http://schemas.microsoft.com/office/drawing/2014/main" val="20002"/>
                     </a:ext>
                   </a:extLst>
                 </a:gridCol>
                 <a:gridCol w="2323452">
                   <a:extLst>
                     <a:ext uri="{9D8B030D-6E8A-4147-A177-3AD203B41FA5}">
-                      <a16:colId xmlns:a16="http://schemas.microsoft.com/office/drawing/2014/main" xmlns="" val="20003"/>
+                      <a16:colId xmlns:a16="http://schemas.microsoft.com/office/drawing/2014/main" val="20003"/>
                     </a:ext>
                   </a:extLst>
                 </a:gridCol>
@@ -10411,7 +11559,7 @@
                 </a:tc>
                 <a:extLst>
                   <a:ext uri="{0D108BD9-81ED-4DB2-BD59-A6C34878D82A}">
-                    <a16:rowId xmlns:a16="http://schemas.microsoft.com/office/drawing/2014/main" xmlns="" val="10000"/>
+                    <a16:rowId xmlns:a16="http://schemas.microsoft.com/office/drawing/2014/main" val="10000"/>
                   </a:ext>
                 </a:extLst>
               </a:tr>
@@ -10538,7 +11686,7 @@
                 </a:tc>
                 <a:extLst>
                   <a:ext uri="{0D108BD9-81ED-4DB2-BD59-A6C34878D82A}">
-                    <a16:rowId xmlns:a16="http://schemas.microsoft.com/office/drawing/2014/main" xmlns="" val="10001"/>
+                    <a16:rowId xmlns:a16="http://schemas.microsoft.com/office/drawing/2014/main" val="10001"/>
                   </a:ext>
                 </a:extLst>
               </a:tr>
@@ -10665,7 +11813,7 @@
                 </a:tc>
                 <a:extLst>
                   <a:ext uri="{0D108BD9-81ED-4DB2-BD59-A6C34878D82A}">
-                    <a16:rowId xmlns:a16="http://schemas.microsoft.com/office/drawing/2014/main" xmlns="" val="10002"/>
+                    <a16:rowId xmlns:a16="http://schemas.microsoft.com/office/drawing/2014/main" val="10002"/>
                   </a:ext>
                 </a:extLst>
               </a:tr>
@@ -10813,7 +11961,7 @@
                 </a:tc>
                 <a:extLst>
                   <a:ext uri="{0D108BD9-81ED-4DB2-BD59-A6C34878D82A}">
-                    <a16:rowId xmlns:a16="http://schemas.microsoft.com/office/drawing/2014/main" xmlns="" val="10003"/>
+                    <a16:rowId xmlns:a16="http://schemas.microsoft.com/office/drawing/2014/main" val="10003"/>
                   </a:ext>
                 </a:extLst>
               </a:tr>
@@ -10961,7 +12109,7 @@
                 </a:tc>
                 <a:extLst>
                   <a:ext uri="{0D108BD9-81ED-4DB2-BD59-A6C34878D82A}">
-                    <a16:rowId xmlns:a16="http://schemas.microsoft.com/office/drawing/2014/main" xmlns="" val="10004"/>
+                    <a16:rowId xmlns:a16="http://schemas.microsoft.com/office/drawing/2014/main" val="10004"/>
                   </a:ext>
                 </a:extLst>
               </a:tr>
@@ -11121,7 +12269,7 @@
                 </a:tc>
                 <a:extLst>
                   <a:ext uri="{0D108BD9-81ED-4DB2-BD59-A6C34878D82A}">
-                    <a16:rowId xmlns:a16="http://schemas.microsoft.com/office/drawing/2014/main" xmlns="" val="10005"/>
+                    <a16:rowId xmlns:a16="http://schemas.microsoft.com/office/drawing/2014/main" val="10005"/>
                   </a:ext>
                 </a:extLst>
               </a:tr>

--- a/Презентация_ВКР_Костебелова.pptx
+++ b/Презентация_ВКР_Костебелова.pptx
@@ -9310,157 +9310,6 @@
           </a:p>
         </p:txBody>
       </p:sp>
-      <p:pic>
-        <p:nvPicPr>
-          <p:cNvPr id="5" name="Рисунок 4"/>
-          <p:cNvPicPr>
-            <a:picLocks noChangeAspect="1"/>
-          </p:cNvPicPr>
-          <p:nvPr/>
-        </p:nvPicPr>
-        <p:blipFill>
-          <a:blip r:embed="rId2">
-            <a:extLst>
-              <a:ext uri="{28A0092B-C50C-407E-A947-70E740481C1C}">
-                <a14:useLocalDpi xmlns:a14="http://schemas.microsoft.com/office/drawing/2010/main" val="0"/>
-              </a:ext>
-            </a:extLst>
-          </a:blip>
-          <a:stretch>
-            <a:fillRect/>
-          </a:stretch>
-        </p:blipFill>
-        <p:spPr>
-          <a:xfrm>
-            <a:off x="235121" y="563694"/>
-            <a:ext cx="4040317" cy="1724010"/>
-          </a:xfrm>
-          <a:prstGeom prst="rect">
-            <a:avLst/>
-          </a:prstGeom>
-        </p:spPr>
-      </p:pic>
-      <p:sp>
-        <p:nvSpPr>
-          <p:cNvPr id="7" name="Google Shape;112;p20"/>
-          <p:cNvSpPr txBox="1">
-            <a:spLocks noGrp="1"/>
-          </p:cNvSpPr>
-          <p:nvPr>
-            <p:ph type="body" idx="1"/>
-          </p:nvPr>
-        </p:nvSpPr>
-        <p:spPr>
-          <a:xfrm>
-            <a:off x="4275438" y="800277"/>
-            <a:ext cx="4672191" cy="1476615"/>
-          </a:xfrm>
-          <a:prstGeom prst="rect">
-            <a:avLst/>
-          </a:prstGeom>
-        </p:spPr>
-        <p:txBody>
-          <a:bodyPr spcFirstLastPara="1" wrap="square" lIns="91425" tIns="91425" rIns="91425" bIns="91425" anchor="t" anchorCtr="0">
-            <a:noAutofit/>
-          </a:bodyPr>
-          <a:lstStyle/>
-          <a:p>
-            <a:pPr marL="76200" lvl="0" indent="0">
-              <a:buClr>
-                <a:srgbClr val="000000"/>
-              </a:buClr>
-              <a:buSzPts val="2400"/>
-              <a:buNone/>
-            </a:pPr>
-            <a:r>
-              <a:rPr lang="en-US" sz="1600" dirty="0" smtClean="0">
-                <a:solidFill>
-                  <a:srgbClr val="000000"/>
-                </a:solidFill>
-              </a:rPr>
-              <a:t>“Real-Time Car </a:t>
-            </a:r>
-            <a:r>
-              <a:rPr lang="en-US" sz="1600" dirty="0" err="1" smtClean="0">
-                <a:solidFill>
-                  <a:srgbClr val="000000"/>
-                </a:solidFill>
-              </a:rPr>
-              <a:t>Parcing</a:t>
-            </a:r>
-            <a:r>
-              <a:rPr lang="en-US" sz="1600" dirty="0" smtClean="0">
-                <a:solidFill>
-                  <a:srgbClr val="000000"/>
-                </a:solidFill>
-              </a:rPr>
-              <a:t> Detection with Deep Learning in Different Lighting Scenarios”</a:t>
-            </a:r>
-          </a:p>
-          <a:p>
-            <a:pPr marL="76200" lvl="0" indent="0">
-              <a:buClr>
-                <a:srgbClr val="000000"/>
-              </a:buClr>
-              <a:buSzPts val="2400"/>
-              <a:buNone/>
-            </a:pPr>
-            <a:r>
-              <a:rPr lang="ru-RU" sz="1600" dirty="0" smtClean="0">
-                <a:solidFill>
-                  <a:srgbClr val="000000"/>
-                </a:solidFill>
-              </a:rPr>
-              <a:t>Авторы: </a:t>
-            </a:r>
-            <a:r>
-              <a:rPr lang="en-US" sz="1600" dirty="0" err="1" smtClean="0">
-                <a:solidFill>
-                  <a:srgbClr val="000000"/>
-                </a:solidFill>
-              </a:rPr>
-              <a:t>Fatema</a:t>
-            </a:r>
-            <a:r>
-              <a:rPr lang="en-US" sz="1600" dirty="0" smtClean="0">
-                <a:solidFill>
-                  <a:srgbClr val="000000"/>
-                </a:solidFill>
-              </a:rPr>
-              <a:t> H. Yusuf and </a:t>
-            </a:r>
-            <a:r>
-              <a:rPr lang="en-US" sz="1600" dirty="0" err="1" smtClean="0">
-                <a:solidFill>
-                  <a:srgbClr val="000000"/>
-                </a:solidFill>
-              </a:rPr>
-              <a:t>Mohab</a:t>
-            </a:r>
-            <a:r>
-              <a:rPr lang="en-US" sz="1600" dirty="0" smtClean="0">
-                <a:solidFill>
-                  <a:srgbClr val="000000"/>
-                </a:solidFill>
-              </a:rPr>
-              <a:t> A. </a:t>
-            </a:r>
-            <a:r>
-              <a:rPr lang="en-US" sz="1600" dirty="0" err="1" smtClean="0">
-                <a:solidFill>
-                  <a:srgbClr val="000000"/>
-                </a:solidFill>
-              </a:rPr>
-              <a:t>Mangoud</a:t>
-            </a:r>
-            <a:endParaRPr lang="en" sz="1600" dirty="0" smtClean="0">
-              <a:solidFill>
-                <a:srgbClr val="000000"/>
-              </a:solidFill>
-            </a:endParaRPr>
-          </a:p>
-        </p:txBody>
-      </p:sp>
       <p:sp>
         <p:nvSpPr>
           <p:cNvPr id="8" name="Прямоугольник 7"/>
@@ -9469,8 +9318,8 @@
         </p:nvSpPr>
         <p:spPr>
           <a:xfrm>
-            <a:off x="6013621" y="3988222"/>
-            <a:ext cx="3216718" cy="830997"/>
+            <a:off x="1659335" y="4981304"/>
+            <a:ext cx="6169670" cy="584775"/>
           </a:xfrm>
           <a:prstGeom prst="rect">
             <a:avLst/>
@@ -9517,14 +9366,14 @@
           <p:nvPr/>
         </p:nvPicPr>
         <p:blipFill rotWithShape="1">
-          <a:blip r:embed="rId3"/>
+          <a:blip r:embed="rId2"/>
           <a:srcRect l="2635" t="6334" r="4178" b="11678"/>
           <a:stretch/>
         </p:blipFill>
         <p:spPr>
           <a:xfrm>
-            <a:off x="-1" y="2686441"/>
-            <a:ext cx="6013621" cy="3378460"/>
+            <a:off x="896981" y="800277"/>
+            <a:ext cx="7160113" cy="4022560"/>
           </a:xfrm>
           <a:prstGeom prst="rect">
             <a:avLst/>
@@ -9539,8 +9388,8 @@
         </p:nvSpPr>
         <p:spPr>
           <a:xfrm>
-            <a:off x="2284780" y="2527976"/>
-            <a:ext cx="3216718" cy="338554"/>
+            <a:off x="3704276" y="642611"/>
+            <a:ext cx="3642761" cy="338554"/>
           </a:xfrm>
           <a:prstGeom prst="rect">
             <a:avLst/>
@@ -9669,7 +9518,31 @@
                   <a:schemeClr val="tx1"/>
                 </a:solidFill>
               </a:rPr>
-              <a:t>real:0,609s</a:t>
+              <a:t>real</a:t>
+            </a:r>
+            <a:r>
+              <a:rPr lang="en-US" dirty="0" smtClean="0">
+                <a:solidFill>
+                  <a:schemeClr val="tx1"/>
+                </a:solidFill>
+              </a:rPr>
+              <a:t>:</a:t>
+            </a:r>
+            <a:r>
+              <a:rPr lang="ru-RU" dirty="0" smtClean="0">
+                <a:solidFill>
+                  <a:schemeClr val="tx1"/>
+                </a:solidFill>
+              </a:rPr>
+              <a:t> </a:t>
+            </a:r>
+            <a:r>
+              <a:rPr lang="en-US" dirty="0" smtClean="0">
+                <a:solidFill>
+                  <a:schemeClr val="tx1"/>
+                </a:solidFill>
+              </a:rPr>
+              <a:t>0,609s</a:t>
             </a:r>
             <a:endParaRPr lang="en-US" dirty="0">
               <a:solidFill>
